--- a/v4_IGSS_2_new plots/v4.pptx
+++ b/v4_IGSS_2_new plots/v4.pptx
@@ -7,7 +7,7 @@
     <p:sldMasterId id="2147483750" r:id="rId3"/>
   </p:sldMasterIdLst>
   <p:notesMasterIdLst>
-    <p:notesMasterId r:id="rId16"/>
+    <p:notesMasterId r:id="rId19"/>
   </p:notesMasterIdLst>
   <p:sldIdLst>
     <p:sldId id="256" r:id="rId4"/>
@@ -20,8 +20,11 @@
     <p:sldId id="263" r:id="rId11"/>
     <p:sldId id="264" r:id="rId12"/>
     <p:sldId id="265" r:id="rId13"/>
-    <p:sldId id="266" r:id="rId14"/>
-    <p:sldId id="271" r:id="rId15"/>
+    <p:sldId id="276" r:id="rId14"/>
+    <p:sldId id="277" r:id="rId15"/>
+    <p:sldId id="278" r:id="rId16"/>
+    <p:sldId id="266" r:id="rId17"/>
+    <p:sldId id="271" r:id="rId18"/>
   </p:sldIdLst>
   <p:sldSz cx="12192000" cy="6858000"/>
   <p:notesSz cx="6858000" cy="9144000"/>
@@ -504,6 +507,91 @@
             <p:ph type="sldImg"/>
           </p:nvPr>
         </p:nvSpPr>
+        <p:spPr/>
+      </p:sp>
+      <p:sp>
+        <p:nvSpPr>
+          <p:cNvPr id="3" name="Notes Placeholder 2"/>
+          <p:cNvSpPr>
+            <a:spLocks noGrp="1"/>
+          </p:cNvSpPr>
+          <p:nvPr>
+            <p:ph type="body" idx="1"/>
+          </p:nvPr>
+        </p:nvSpPr>
+        <p:spPr/>
+        <p:txBody>
+          <a:bodyPr/>
+          <a:lstStyle/>
+          <a:p>
+            <a:pPr marL="0" algn="r" defTabSz="914400" rtl="1" eaLnBrk="1" latinLnBrk="0" hangingPunct="1"/>
+            <a:endParaRPr lang="en-US" dirty="0"/>
+          </a:p>
+        </p:txBody>
+      </p:sp>
+      <p:sp>
+        <p:nvSpPr>
+          <p:cNvPr id="4" name="Slide Number Placeholder 3"/>
+          <p:cNvSpPr>
+            <a:spLocks noGrp="1"/>
+          </p:cNvSpPr>
+          <p:nvPr>
+            <p:ph type="sldNum" sz="quarter" idx="5"/>
+          </p:nvPr>
+        </p:nvSpPr>
+        <p:spPr/>
+        <p:txBody>
+          <a:bodyPr/>
+          <a:lstStyle/>
+          <a:p>
+            <a:fld id="{1DD2632D-9546-3448-B0F9-937C05B3CE3C}" type="slidenum">
+              <a:rPr lang="en-US" smtClean="0"/>
+              <a:t>1</a:t>
+            </a:fld>
+            <a:endParaRPr lang="en-US"/>
+          </a:p>
+        </p:txBody>
+      </p:sp>
+    </p:spTree>
+    <p:extLst>
+      <p:ext uri="{BB962C8B-B14F-4D97-AF65-F5344CB8AC3E}">
+        <p14:creationId xmlns:p14="http://schemas.microsoft.com/office/powerpoint/2010/main" val="3600914897"/>
+      </p:ext>
+    </p:extLst>
+  </p:cSld>
+  <p:clrMapOvr>
+    <a:masterClrMapping/>
+  </p:clrMapOvr>
+</p:notes>
+</file>
+
+<file path=ppt/notesSlides/notesSlide2.xml><?xml version="1.0" encoding="utf-8"?>
+<p:notes xmlns:a="http://schemas.openxmlformats.org/drawingml/2006/main" xmlns:r="http://schemas.openxmlformats.org/officeDocument/2006/relationships" xmlns:p="http://schemas.openxmlformats.org/presentationml/2006/main">
+  <p:cSld>
+    <p:spTree>
+      <p:nvGrpSpPr>
+        <p:cNvPr id="1" name=""/>
+        <p:cNvGrpSpPr/>
+        <p:nvPr/>
+      </p:nvGrpSpPr>
+      <p:grpSpPr>
+        <a:xfrm>
+          <a:off x="0" y="0"/>
+          <a:ext cx="0" cy="0"/>
+          <a:chOff x="0" y="0"/>
+          <a:chExt cx="0" cy="0"/>
+        </a:xfrm>
+      </p:grpSpPr>
+      <p:sp>
+        <p:nvSpPr>
+          <p:cNvPr id="2" name="Slide Image Placeholder 1"/>
+          <p:cNvSpPr>
+            <a:spLocks noGrp="1" noRot="1" noChangeAspect="1"/>
+          </p:cNvSpPr>
+          <p:nvPr>
+            <p:ph type="sldImg"/>
+          </p:nvPr>
+        </p:nvSpPr>
         <p:spPr>
           <a:xfrm>
             <a:off x="685800" y="1143000"/>
@@ -543,50 +631,10 @@
               <a:tabLst/>
               <a:defRPr/>
             </a:pPr>
-            <a:endParaRPr lang="en-US" dirty="0"/>
-          </a:p>
-          <a:p>
-            <a:pPr marL="0" marR="0" lvl="0" indent="0" algn="l" defTabSz="914400" rtl="0" eaLnBrk="1" fontAlgn="auto" latinLnBrk="0" hangingPunct="1">
-              <a:lnSpc>
-                <a:spcPct val="100000"/>
-              </a:lnSpc>
-              <a:spcBef>
-                <a:spcPts val="0"/>
-              </a:spcBef>
-              <a:spcAft>
-                <a:spcPts val="0"/>
-              </a:spcAft>
-              <a:buClrTx/>
-              <a:buSzTx/>
-              <a:buFontTx/>
-              <a:buNone/>
-              <a:tabLst/>
-              <a:defRPr/>
-            </a:pPr>
-            <a:endParaRPr lang="en-US" dirty="0"/>
-          </a:p>
-          <a:p>
-            <a:pPr marL="0" marR="0" lvl="0" indent="0" algn="l" defTabSz="914400" rtl="0" eaLnBrk="1" fontAlgn="auto" latinLnBrk="0" hangingPunct="1">
-              <a:lnSpc>
-                <a:spcPct val="100000"/>
-              </a:lnSpc>
-              <a:spcBef>
-                <a:spcPts val="0"/>
-              </a:spcBef>
-              <a:spcAft>
-                <a:spcPts val="0"/>
-              </a:spcAft>
-              <a:buClrTx/>
-              <a:buSzTx/>
-              <a:buFontTx/>
-              <a:buNone/>
-              <a:tabLst/>
-              <a:defRPr/>
-            </a:pPr>
-            <a:endParaRPr lang="en-US" dirty="0"/>
-          </a:p>
-          <a:p>
-            <a:endParaRPr lang="en-US" dirty="0"/>
+            <a:r>
+              <a:rPr lang="en-US" dirty="0"/>
+              <a:t>Our motivation is </a:t>
+            </a:r>
           </a:p>
         </p:txBody>
       </p:sp>
@@ -626,7 +674,7 @@
 </p:notes>
 </file>
 
-<file path=ppt/notesSlides/notesSlide2.xml><?xml version="1.0" encoding="utf-8"?>
+<file path=ppt/notesSlides/notesSlide3.xml><?xml version="1.0" encoding="utf-8"?>
 <p:notes xmlns:a="http://schemas.openxmlformats.org/drawingml/2006/main" xmlns:r="http://schemas.openxmlformats.org/officeDocument/2006/relationships" xmlns:p="http://schemas.openxmlformats.org/presentationml/2006/main">
   <p:cSld>
     <p:spTree>
@@ -12152,7 +12200,7 @@
     <p:bg>
       <p:bgPr>
         <a:blipFill>
-          <a:blip r:embed="rId2"/>
+          <a:blip r:embed="rId3"/>
           <a:stretch/>
         </a:blipFill>
         <a:effectLst/>
@@ -12204,7 +12252,7 @@
             <a:avLst/>
           </a:prstGeom>
           <a:blipFill>
-            <a:blip r:embed="rId3"/>
+            <a:blip r:embed="rId4"/>
             <a:stretch/>
           </a:blipFill>
           <a:ln w="15875" cap="flat" cmpd="sng" algn="ctr">
@@ -12310,7 +12358,7 @@
             </p:nvPr>
           </p:nvPicPr>
           <p:blipFill>
-            <a:blip r:embed="rId4">
+            <a:blip r:embed="rId5">
               <a:extLst>
                 <a:ext uri="{28A0092B-C50C-407E-A947-70E740481C1C}">
                   <a14:useLocalDpi xmlns:a14="http://schemas.microsoft.com/office/drawing/2010/main" val="0"/>
@@ -12411,7 +12459,7 @@
             </p:nvPr>
           </p:nvPicPr>
           <p:blipFill rotWithShape="1">
-            <a:blip r:embed="rId5">
+            <a:blip r:embed="rId6">
               <a:extLst>
                 <a:ext uri="{28A0092B-C50C-407E-A947-70E740481C1C}">
                   <a14:useLocalDpi xmlns:a14="http://schemas.microsoft.com/office/drawing/2010/main" val="0"/>
@@ -12455,7 +12503,7 @@
             </p:nvPr>
           </p:nvPicPr>
           <p:blipFill rotWithShape="1">
-            <a:blip r:embed="rId5">
+            <a:blip r:embed="rId6">
               <a:extLst>
                 <a:ext uri="{28A0092B-C50C-407E-A947-70E740481C1C}">
                   <a14:useLocalDpi xmlns:a14="http://schemas.microsoft.com/office/drawing/2010/main" val="0"/>
@@ -12510,8 +12558,8 @@
               </a:lnSpc>
             </a:pPr>
             <a:r>
-              <a:rPr lang="en-US" sz="3800"/>
-              <a:t>The Impact of Imputation Quality on Family-Based Analysis </a:t>
+              <a:rPr lang="en-US" sz="3800" dirty="0"/>
+              <a:t>The Impact of Imputation Quality on Family-Based Analyses </a:t>
             </a:r>
           </a:p>
         </p:txBody>
@@ -12665,7 +12713,7 @@
       </p:grpSpPr>
       <p:sp useBgFill="1">
         <p:nvSpPr>
-          <p:cNvPr id="10" name="Rectangle 9">
+          <p:cNvPr id="17" name="Rectangle 16">
             <a:extLst>
               <a:ext uri="{FF2B5EF4-FFF2-40B4-BE49-F238E27FC236}">
                 <a16:creationId xmlns:a16="http://schemas.microsoft.com/office/drawing/2014/main" id="{665DBBEF-238B-476B-96AB-8AAC3224ECEA}"/>
@@ -12767,7 +12815,7 @@
       </p:sp>
       <p:sp>
         <p:nvSpPr>
-          <p:cNvPr id="12" name="sketch line">
+          <p:cNvPr id="19" name="sketch line">
             <a:extLst>
               <a:ext uri="{FF2B5EF4-FFF2-40B4-BE49-F238E27FC236}">
                 <a16:creationId xmlns:a16="http://schemas.microsoft.com/office/drawing/2014/main" id="{3FCFB1DE-0B7E-48CC-BA90-B2AB0889F9D6}"/>
@@ -13040,10 +13088,10 @@
       </p:sp>
       <p:pic>
         <p:nvPicPr>
-          <p:cNvPr id="5" name="Content Placeholder 4" descr="A graph of a number of people&#10;&#10;Description automatically generated with medium confidence">
+          <p:cNvPr id="7" name="Content Placeholder 6" descr="A graph of a number of patients with their health&#10;&#10;Description automatically generated with medium confidence">
             <a:extLst>
               <a:ext uri="{FF2B5EF4-FFF2-40B4-BE49-F238E27FC236}">
-                <a16:creationId xmlns:a16="http://schemas.microsoft.com/office/drawing/2014/main" id="{1298E508-0510-2FAA-6000-DB3250E8881B}"/>
+                <a16:creationId xmlns:a16="http://schemas.microsoft.com/office/drawing/2014/main" id="{C56DEF01-5794-A6CE-2F9D-9A00E164E440}"/>
               </a:ext>
             </a:extLst>
           </p:cNvPr>
@@ -13062,8 +13110,8 @@
         </p:blipFill>
         <p:spPr>
           <a:xfrm>
-            <a:off x="4897722" y="640080"/>
-            <a:ext cx="6727764" cy="5550408"/>
+            <a:off x="4074961" y="164442"/>
+            <a:ext cx="8116001" cy="6715994"/>
           </a:xfrm>
           <a:prstGeom prst="rect">
             <a:avLst/>
@@ -13084,6 +13132,2670 @@
 </file>
 
 <file path=ppt/slides/slide11.xml><?xml version="1.0" encoding="utf-8"?>
+<p:sld xmlns:a="http://schemas.openxmlformats.org/drawingml/2006/main" xmlns:r="http://schemas.openxmlformats.org/officeDocument/2006/relationships" xmlns:p="http://schemas.openxmlformats.org/presentationml/2006/main">
+  <p:cSld>
+    <p:bg>
+      <p:bgPr>
+        <a:solidFill>
+          <a:schemeClr val="bg1"/>
+        </a:solidFill>
+        <a:effectLst/>
+      </p:bgPr>
+    </p:bg>
+    <p:spTree>
+      <p:nvGrpSpPr>
+        <p:cNvPr id="1" name="">
+          <a:extLst>
+            <a:ext uri="{FF2B5EF4-FFF2-40B4-BE49-F238E27FC236}">
+              <a16:creationId xmlns:a16="http://schemas.microsoft.com/office/drawing/2014/main" id="{402908EE-25AA-82F4-585D-323588025E6C}"/>
+            </a:ext>
+          </a:extLst>
+        </p:cNvPr>
+        <p:cNvGrpSpPr/>
+        <p:nvPr/>
+      </p:nvGrpSpPr>
+      <p:grpSpPr>
+        <a:xfrm>
+          <a:off x="0" y="0"/>
+          <a:ext cx="0" cy="0"/>
+          <a:chOff x="0" y="0"/>
+          <a:chExt cx="0" cy="0"/>
+        </a:xfrm>
+      </p:grpSpPr>
+      <p:sp useBgFill="1">
+        <p:nvSpPr>
+          <p:cNvPr id="12" name="Rectangle 11">
+            <a:extLst>
+              <a:ext uri="{FF2B5EF4-FFF2-40B4-BE49-F238E27FC236}">
+                <a16:creationId xmlns:a16="http://schemas.microsoft.com/office/drawing/2014/main" id="{665DBBEF-238B-476B-96AB-8AAC3224ECEA}"/>
+              </a:ext>
+              <a:ext uri="{C183D7F6-B498-43B3-948B-1728B52AA6E4}">
+                <adec:decorative xmlns:adec="http://schemas.microsoft.com/office/drawing/2017/decorative" val="1"/>
+              </a:ext>
+            </a:extLst>
+          </p:cNvPr>
+          <p:cNvSpPr>
+            <a:spLocks noGrp="1" noRot="1" noChangeAspect="1" noMove="1" noResize="1" noEditPoints="1" noAdjustHandles="1" noChangeArrowheads="1" noChangeShapeType="1" noTextEdit="1"/>
+          </p:cNvSpPr>
+          <p:nvPr>
+            <p:extLst>
+              <p:ext uri="{386F3935-93C4-4BCD-93E2-E3B085C9AB24}">
+                <p16:designElem xmlns:p16="http://schemas.microsoft.com/office/powerpoint/2015/main" val="1"/>
+              </p:ext>
+            </p:extLst>
+          </p:nvPr>
+        </p:nvSpPr>
+        <p:spPr>
+          <a:xfrm>
+            <a:off x="0" y="0"/>
+            <a:ext cx="12192000" cy="6858000"/>
+          </a:xfrm>
+          <a:prstGeom prst="rect">
+            <a:avLst/>
+          </a:prstGeom>
+          <a:ln>
+            <a:noFill/>
+          </a:ln>
+        </p:spPr>
+        <p:style>
+          <a:lnRef idx="2">
+            <a:schemeClr val="accent1">
+              <a:shade val="50000"/>
+            </a:schemeClr>
+          </a:lnRef>
+          <a:fillRef idx="1">
+            <a:schemeClr val="accent1"/>
+          </a:fillRef>
+          <a:effectRef idx="0">
+            <a:schemeClr val="accent1"/>
+          </a:effectRef>
+          <a:fontRef idx="minor">
+            <a:schemeClr val="lt1"/>
+          </a:fontRef>
+        </p:style>
+        <p:txBody>
+          <a:bodyPr rtlCol="0" anchor="ctr"/>
+          <a:lstStyle/>
+          <a:p>
+            <a:pPr algn="ctr"/>
+            <a:endParaRPr lang="en-US"/>
+          </a:p>
+        </p:txBody>
+      </p:sp>
+      <p:sp>
+        <p:nvSpPr>
+          <p:cNvPr id="2" name="Title 1">
+            <a:extLst>
+              <a:ext uri="{FF2B5EF4-FFF2-40B4-BE49-F238E27FC236}">
+                <a16:creationId xmlns:a16="http://schemas.microsoft.com/office/drawing/2014/main" id="{546D1C19-F083-5918-D421-4B381ABF69D5}"/>
+              </a:ext>
+            </a:extLst>
+          </p:cNvPr>
+          <p:cNvSpPr>
+            <a:spLocks noGrp="1"/>
+          </p:cNvSpPr>
+          <p:nvPr>
+            <p:ph type="title"/>
+          </p:nvPr>
+        </p:nvSpPr>
+        <p:spPr>
+          <a:xfrm>
+            <a:off x="638882" y="639193"/>
+            <a:ext cx="3571810" cy="3573516"/>
+          </a:xfrm>
+        </p:spPr>
+        <p:txBody>
+          <a:bodyPr vert="horz" lIns="91440" tIns="45720" rIns="91440" bIns="45720" rtlCol="0" anchor="b">
+            <a:normAutofit/>
+          </a:bodyPr>
+          <a:lstStyle/>
+          <a:p>
+            <a:r>
+              <a:rPr lang="en-US" sz="4100" kern="1200" dirty="0">
+                <a:solidFill>
+                  <a:schemeClr val="tx1"/>
+                </a:solidFill>
+                <a:latin typeface="+mj-lt"/>
+                <a:ea typeface="+mj-ea"/>
+                <a:cs typeface="+mj-cs"/>
+              </a:rPr>
+              <a:t>Mean Imputed Genotype Correlation Conditional on IBD State</a:t>
+            </a:r>
+          </a:p>
+        </p:txBody>
+      </p:sp>
+      <p:sp>
+        <p:nvSpPr>
+          <p:cNvPr id="14" name="sketch line">
+            <a:extLst>
+              <a:ext uri="{FF2B5EF4-FFF2-40B4-BE49-F238E27FC236}">
+                <a16:creationId xmlns:a16="http://schemas.microsoft.com/office/drawing/2014/main" id="{3FCFB1DE-0B7E-48CC-BA90-B2AB0889F9D6}"/>
+              </a:ext>
+              <a:ext uri="{C183D7F6-B498-43B3-948B-1728B52AA6E4}">
+                <adec:decorative xmlns:adec="http://schemas.microsoft.com/office/drawing/2017/decorative" val="1"/>
+              </a:ext>
+            </a:extLst>
+          </p:cNvPr>
+          <p:cNvSpPr>
+            <a:spLocks noGrp="1" noRot="1" noChangeAspect="1" noMove="1" noResize="1" noEditPoints="1" noAdjustHandles="1" noChangeArrowheads="1" noChangeShapeType="1" noTextEdit="1"/>
+          </p:cNvSpPr>
+          <p:nvPr>
+            <p:extLst>
+              <p:ext uri="{386F3935-93C4-4BCD-93E2-E3B085C9AB24}">
+                <p16:designElem xmlns:p16="http://schemas.microsoft.com/office/powerpoint/2015/main" val="1"/>
+              </p:ext>
+            </p:extLst>
+          </p:nvPr>
+        </p:nvSpPr>
+        <p:spPr>
+          <a:xfrm>
+            <a:off x="643278" y="4409267"/>
+            <a:ext cx="3255095" cy="18288"/>
+          </a:xfrm>
+          <a:custGeom>
+            <a:avLst/>
+            <a:gdLst>
+              <a:gd name="connsiteX0" fmla="*/ 0 w 3255095"/>
+              <a:gd name="connsiteY0" fmla="*/ 0 h 18288"/>
+              <a:gd name="connsiteX1" fmla="*/ 618468 w 3255095"/>
+              <a:gd name="connsiteY1" fmla="*/ 0 h 18288"/>
+              <a:gd name="connsiteX2" fmla="*/ 1269487 w 3255095"/>
+              <a:gd name="connsiteY2" fmla="*/ 0 h 18288"/>
+              <a:gd name="connsiteX3" fmla="*/ 1953057 w 3255095"/>
+              <a:gd name="connsiteY3" fmla="*/ 0 h 18288"/>
+              <a:gd name="connsiteX4" fmla="*/ 2636627 w 3255095"/>
+              <a:gd name="connsiteY4" fmla="*/ 0 h 18288"/>
+              <a:gd name="connsiteX5" fmla="*/ 3255095 w 3255095"/>
+              <a:gd name="connsiteY5" fmla="*/ 0 h 18288"/>
+              <a:gd name="connsiteX6" fmla="*/ 3255095 w 3255095"/>
+              <a:gd name="connsiteY6" fmla="*/ 18288 h 18288"/>
+              <a:gd name="connsiteX7" fmla="*/ 2538974 w 3255095"/>
+              <a:gd name="connsiteY7" fmla="*/ 18288 h 18288"/>
+              <a:gd name="connsiteX8" fmla="*/ 1822853 w 3255095"/>
+              <a:gd name="connsiteY8" fmla="*/ 18288 h 18288"/>
+              <a:gd name="connsiteX9" fmla="*/ 1171834 w 3255095"/>
+              <a:gd name="connsiteY9" fmla="*/ 18288 h 18288"/>
+              <a:gd name="connsiteX10" fmla="*/ 0 w 3255095"/>
+              <a:gd name="connsiteY10" fmla="*/ 18288 h 18288"/>
+              <a:gd name="connsiteX11" fmla="*/ 0 w 3255095"/>
+              <a:gd name="connsiteY11" fmla="*/ 0 h 18288"/>
+            </a:gdLst>
+            <a:ahLst/>
+            <a:cxnLst>
+              <a:cxn ang="0">
+                <a:pos x="connsiteX0" y="connsiteY0"/>
+              </a:cxn>
+              <a:cxn ang="0">
+                <a:pos x="connsiteX1" y="connsiteY1"/>
+              </a:cxn>
+              <a:cxn ang="0">
+                <a:pos x="connsiteX2" y="connsiteY2"/>
+              </a:cxn>
+              <a:cxn ang="0">
+                <a:pos x="connsiteX3" y="connsiteY3"/>
+              </a:cxn>
+              <a:cxn ang="0">
+                <a:pos x="connsiteX4" y="connsiteY4"/>
+              </a:cxn>
+              <a:cxn ang="0">
+                <a:pos x="connsiteX5" y="connsiteY5"/>
+              </a:cxn>
+              <a:cxn ang="0">
+                <a:pos x="connsiteX6" y="connsiteY6"/>
+              </a:cxn>
+              <a:cxn ang="0">
+                <a:pos x="connsiteX7" y="connsiteY7"/>
+              </a:cxn>
+              <a:cxn ang="0">
+                <a:pos x="connsiteX8" y="connsiteY8"/>
+              </a:cxn>
+              <a:cxn ang="0">
+                <a:pos x="connsiteX9" y="connsiteY9"/>
+              </a:cxn>
+              <a:cxn ang="0">
+                <a:pos x="connsiteX10" y="connsiteY10"/>
+              </a:cxn>
+              <a:cxn ang="0">
+                <a:pos x="connsiteX11" y="connsiteY11"/>
+              </a:cxn>
+            </a:cxnLst>
+            <a:rect l="l" t="t" r="r" b="b"/>
+            <a:pathLst>
+              <a:path w="3255095" h="18288" fill="none" extrusionOk="0">
+                <a:moveTo>
+                  <a:pt x="0" y="0"/>
+                </a:moveTo>
+                <a:cubicBezTo>
+                  <a:pt x="240201" y="-22123"/>
+                  <a:pt x="462021" y="-19623"/>
+                  <a:pt x="618468" y="0"/>
+                </a:cubicBezTo>
+                <a:cubicBezTo>
+                  <a:pt x="774915" y="19623"/>
+                  <a:pt x="974734" y="2035"/>
+                  <a:pt x="1269487" y="0"/>
+                </a:cubicBezTo>
+                <a:cubicBezTo>
+                  <a:pt x="1564240" y="-2035"/>
+                  <a:pt x="1733579" y="10639"/>
+                  <a:pt x="1953057" y="0"/>
+                </a:cubicBezTo>
+                <a:cubicBezTo>
+                  <a:pt x="2172535" y="-10639"/>
+                  <a:pt x="2453962" y="14018"/>
+                  <a:pt x="2636627" y="0"/>
+                </a:cubicBezTo>
+                <a:cubicBezTo>
+                  <a:pt x="2819292" y="-14018"/>
+                  <a:pt x="3121375" y="5399"/>
+                  <a:pt x="3255095" y="0"/>
+                </a:cubicBezTo>
+                <a:cubicBezTo>
+                  <a:pt x="3254386" y="8157"/>
+                  <a:pt x="3254682" y="12125"/>
+                  <a:pt x="3255095" y="18288"/>
+                </a:cubicBezTo>
+                <a:cubicBezTo>
+                  <a:pt x="3088545" y="23203"/>
+                  <a:pt x="2687475" y="7419"/>
+                  <a:pt x="2538974" y="18288"/>
+                </a:cubicBezTo>
+                <a:cubicBezTo>
+                  <a:pt x="2390473" y="29157"/>
+                  <a:pt x="2137381" y="-8959"/>
+                  <a:pt x="1822853" y="18288"/>
+                </a:cubicBezTo>
+                <a:cubicBezTo>
+                  <a:pt x="1508325" y="45535"/>
+                  <a:pt x="1466437" y="20385"/>
+                  <a:pt x="1171834" y="18288"/>
+                </a:cubicBezTo>
+                <a:cubicBezTo>
+                  <a:pt x="877231" y="16191"/>
+                  <a:pt x="561097" y="37643"/>
+                  <a:pt x="0" y="18288"/>
+                </a:cubicBezTo>
+                <a:cubicBezTo>
+                  <a:pt x="-46" y="12483"/>
+                  <a:pt x="-203" y="6491"/>
+                  <a:pt x="0" y="0"/>
+                </a:cubicBezTo>
+                <a:close/>
+              </a:path>
+              <a:path w="3255095" h="18288" stroke="0" extrusionOk="0">
+                <a:moveTo>
+                  <a:pt x="0" y="0"/>
+                </a:moveTo>
+                <a:cubicBezTo>
+                  <a:pt x="291965" y="19429"/>
+                  <a:pt x="363155" y="8568"/>
+                  <a:pt x="618468" y="0"/>
+                </a:cubicBezTo>
+                <a:cubicBezTo>
+                  <a:pt x="873781" y="-8568"/>
+                  <a:pt x="904459" y="-19505"/>
+                  <a:pt x="1171834" y="0"/>
+                </a:cubicBezTo>
+                <a:cubicBezTo>
+                  <a:pt x="1439209" y="19505"/>
+                  <a:pt x="1744369" y="9790"/>
+                  <a:pt x="1887955" y="0"/>
+                </a:cubicBezTo>
+                <a:cubicBezTo>
+                  <a:pt x="2031541" y="-9790"/>
+                  <a:pt x="2346378" y="21240"/>
+                  <a:pt x="2506423" y="0"/>
+                </a:cubicBezTo>
+                <a:cubicBezTo>
+                  <a:pt x="2666468" y="-21240"/>
+                  <a:pt x="2990257" y="30414"/>
+                  <a:pt x="3255095" y="0"/>
+                </a:cubicBezTo>
+                <a:cubicBezTo>
+                  <a:pt x="3254831" y="4493"/>
+                  <a:pt x="3255479" y="9472"/>
+                  <a:pt x="3255095" y="18288"/>
+                </a:cubicBezTo>
+                <a:cubicBezTo>
+                  <a:pt x="3120743" y="16690"/>
+                  <a:pt x="2759628" y="42462"/>
+                  <a:pt x="2604076" y="18288"/>
+                </a:cubicBezTo>
+                <a:cubicBezTo>
+                  <a:pt x="2448524" y="-5886"/>
+                  <a:pt x="2184336" y="19599"/>
+                  <a:pt x="1887955" y="18288"/>
+                </a:cubicBezTo>
+                <a:cubicBezTo>
+                  <a:pt x="1591574" y="16977"/>
+                  <a:pt x="1548845" y="6870"/>
+                  <a:pt x="1334589" y="18288"/>
+                </a:cubicBezTo>
+                <a:cubicBezTo>
+                  <a:pt x="1120333" y="29706"/>
+                  <a:pt x="996014" y="9662"/>
+                  <a:pt x="683570" y="18288"/>
+                </a:cubicBezTo>
+                <a:cubicBezTo>
+                  <a:pt x="371126" y="26914"/>
+                  <a:pt x="198687" y="16167"/>
+                  <a:pt x="0" y="18288"/>
+                </a:cubicBezTo>
+                <a:cubicBezTo>
+                  <a:pt x="843" y="9577"/>
+                  <a:pt x="371" y="6900"/>
+                  <a:pt x="0" y="0"/>
+                </a:cubicBezTo>
+                <a:close/>
+              </a:path>
+            </a:pathLst>
+          </a:custGeom>
+          <a:solidFill>
+            <a:schemeClr val="accent2"/>
+          </a:solidFill>
+          <a:ln w="38100" cap="rnd">
+            <a:solidFill>
+              <a:schemeClr val="accent2"/>
+            </a:solidFill>
+            <a:round/>
+            <a:extLst>
+              <a:ext uri="{C807C97D-BFC1-408E-A445-0C87EB9F89A2}">
+                <ask:lineSketchStyleProps xmlns:ask="http://schemas.microsoft.com/office/drawing/2018/sketchyshapes" sd="1219033472">
+                  <a:prstGeom prst="rect">
+                    <a:avLst/>
+                  </a:prstGeom>
+                  <ask:type>
+                    <ask:lineSketchFreehand/>
+                  </ask:type>
+                </ask:lineSketchStyleProps>
+              </a:ext>
+            </a:extLst>
+          </a:ln>
+        </p:spPr>
+        <p:style>
+          <a:lnRef idx="2">
+            <a:schemeClr val="accent1">
+              <a:shade val="50000"/>
+            </a:schemeClr>
+          </a:lnRef>
+          <a:fillRef idx="1">
+            <a:schemeClr val="accent1"/>
+          </a:fillRef>
+          <a:effectRef idx="0">
+            <a:schemeClr val="accent1"/>
+          </a:effectRef>
+          <a:fontRef idx="minor">
+            <a:schemeClr val="lt1"/>
+          </a:fontRef>
+        </p:style>
+        <p:txBody>
+          <a:bodyPr rtlCol="0" anchor="ctr"/>
+          <a:lstStyle/>
+          <a:p>
+            <a:pPr algn="ctr"/>
+            <a:endParaRPr lang="en-US"/>
+          </a:p>
+        </p:txBody>
+      </p:sp>
+      <p:pic>
+        <p:nvPicPr>
+          <p:cNvPr id="7" name="Content Placeholder 6" descr="A graph of a number of patients with their health&#10;&#10;Description automatically generated with medium confidence">
+            <a:extLst>
+              <a:ext uri="{FF2B5EF4-FFF2-40B4-BE49-F238E27FC236}">
+                <a16:creationId xmlns:a16="http://schemas.microsoft.com/office/drawing/2014/main" id="{0A6CD634-5828-7592-7C0C-78F0CFEE87DD}"/>
+              </a:ext>
+            </a:extLst>
+          </p:cNvPr>
+          <p:cNvPicPr>
+            <a:picLocks noGrp="1" noChangeAspect="1"/>
+          </p:cNvPicPr>
+          <p:nvPr>
+            <p:ph idx="1"/>
+          </p:nvPr>
+        </p:nvPicPr>
+        <p:blipFill>
+          <a:blip r:embed="rId2"/>
+          <a:stretch>
+            <a:fillRect/>
+          </a:stretch>
+        </p:blipFill>
+        <p:spPr>
+          <a:xfrm>
+            <a:off x="4075999" y="185735"/>
+            <a:ext cx="8116001" cy="6715994"/>
+          </a:xfrm>
+          <a:prstGeom prst="rect">
+            <a:avLst/>
+          </a:prstGeom>
+        </p:spPr>
+      </p:pic>
+      <p:sp>
+        <p:nvSpPr>
+          <p:cNvPr id="3" name="Rectangle 2">
+            <a:extLst>
+              <a:ext uri="{FF2B5EF4-FFF2-40B4-BE49-F238E27FC236}">
+                <a16:creationId xmlns:a16="http://schemas.microsoft.com/office/drawing/2014/main" id="{D4BFE59A-325E-49F6-1FD2-593F49AFDBCC}"/>
+              </a:ext>
+            </a:extLst>
+          </p:cNvPr>
+          <p:cNvSpPr/>
+          <p:nvPr/>
+        </p:nvSpPr>
+        <p:spPr>
+          <a:xfrm>
+            <a:off x="4215088" y="185735"/>
+            <a:ext cx="7179469" cy="1514477"/>
+          </a:xfrm>
+          <a:custGeom>
+            <a:avLst/>
+            <a:gdLst>
+              <a:gd name="connsiteX0" fmla="*/ 0 w 7179469"/>
+              <a:gd name="connsiteY0" fmla="*/ 0 h 1514477"/>
+              <a:gd name="connsiteX1" fmla="*/ 382905 w 7179469"/>
+              <a:gd name="connsiteY1" fmla="*/ 0 h 1514477"/>
+              <a:gd name="connsiteX2" fmla="*/ 1124783 w 7179469"/>
+              <a:gd name="connsiteY2" fmla="*/ 0 h 1514477"/>
+              <a:gd name="connsiteX3" fmla="*/ 1723073 w 7179469"/>
+              <a:gd name="connsiteY3" fmla="*/ 0 h 1514477"/>
+              <a:gd name="connsiteX4" fmla="*/ 2464951 w 7179469"/>
+              <a:gd name="connsiteY4" fmla="*/ 0 h 1514477"/>
+              <a:gd name="connsiteX5" fmla="*/ 3063240 w 7179469"/>
+              <a:gd name="connsiteY5" fmla="*/ 0 h 1514477"/>
+              <a:gd name="connsiteX6" fmla="*/ 3446145 w 7179469"/>
+              <a:gd name="connsiteY6" fmla="*/ 0 h 1514477"/>
+              <a:gd name="connsiteX7" fmla="*/ 4116229 w 7179469"/>
+              <a:gd name="connsiteY7" fmla="*/ 0 h 1514477"/>
+              <a:gd name="connsiteX8" fmla="*/ 4858107 w 7179469"/>
+              <a:gd name="connsiteY8" fmla="*/ 0 h 1514477"/>
+              <a:gd name="connsiteX9" fmla="*/ 5528191 w 7179469"/>
+              <a:gd name="connsiteY9" fmla="*/ 0 h 1514477"/>
+              <a:gd name="connsiteX10" fmla="*/ 5911096 w 7179469"/>
+              <a:gd name="connsiteY10" fmla="*/ 0 h 1514477"/>
+              <a:gd name="connsiteX11" fmla="*/ 6581180 w 7179469"/>
+              <a:gd name="connsiteY11" fmla="*/ 0 h 1514477"/>
+              <a:gd name="connsiteX12" fmla="*/ 7179469 w 7179469"/>
+              <a:gd name="connsiteY12" fmla="*/ 0 h 1514477"/>
+              <a:gd name="connsiteX13" fmla="*/ 7179469 w 7179469"/>
+              <a:gd name="connsiteY13" fmla="*/ 535115 h 1514477"/>
+              <a:gd name="connsiteX14" fmla="*/ 7179469 w 7179469"/>
+              <a:gd name="connsiteY14" fmla="*/ 1009651 h 1514477"/>
+              <a:gd name="connsiteX15" fmla="*/ 7179469 w 7179469"/>
+              <a:gd name="connsiteY15" fmla="*/ 1514477 h 1514477"/>
+              <a:gd name="connsiteX16" fmla="*/ 6724769 w 7179469"/>
+              <a:gd name="connsiteY16" fmla="*/ 1514477 h 1514477"/>
+              <a:gd name="connsiteX17" fmla="*/ 6054686 w 7179469"/>
+              <a:gd name="connsiteY17" fmla="*/ 1514477 h 1514477"/>
+              <a:gd name="connsiteX18" fmla="*/ 5456396 w 7179469"/>
+              <a:gd name="connsiteY18" fmla="*/ 1514477 h 1514477"/>
+              <a:gd name="connsiteX19" fmla="*/ 4714518 w 7179469"/>
+              <a:gd name="connsiteY19" fmla="*/ 1514477 h 1514477"/>
+              <a:gd name="connsiteX20" fmla="*/ 4188024 w 7179469"/>
+              <a:gd name="connsiteY20" fmla="*/ 1514477 h 1514477"/>
+              <a:gd name="connsiteX21" fmla="*/ 3805119 w 7179469"/>
+              <a:gd name="connsiteY21" fmla="*/ 1514477 h 1514477"/>
+              <a:gd name="connsiteX22" fmla="*/ 3206829 w 7179469"/>
+              <a:gd name="connsiteY22" fmla="*/ 1514477 h 1514477"/>
+              <a:gd name="connsiteX23" fmla="*/ 2608540 w 7179469"/>
+              <a:gd name="connsiteY23" fmla="*/ 1514477 h 1514477"/>
+              <a:gd name="connsiteX24" fmla="*/ 1938457 w 7179469"/>
+              <a:gd name="connsiteY24" fmla="*/ 1514477 h 1514477"/>
+              <a:gd name="connsiteX25" fmla="*/ 1483757 w 7179469"/>
+              <a:gd name="connsiteY25" fmla="*/ 1514477 h 1514477"/>
+              <a:gd name="connsiteX26" fmla="*/ 1100852 w 7179469"/>
+              <a:gd name="connsiteY26" fmla="*/ 1514477 h 1514477"/>
+              <a:gd name="connsiteX27" fmla="*/ 646152 w 7179469"/>
+              <a:gd name="connsiteY27" fmla="*/ 1514477 h 1514477"/>
+              <a:gd name="connsiteX28" fmla="*/ 0 w 7179469"/>
+              <a:gd name="connsiteY28" fmla="*/ 1514477 h 1514477"/>
+              <a:gd name="connsiteX29" fmla="*/ 0 w 7179469"/>
+              <a:gd name="connsiteY29" fmla="*/ 979362 h 1514477"/>
+              <a:gd name="connsiteX30" fmla="*/ 0 w 7179469"/>
+              <a:gd name="connsiteY30" fmla="*/ 504826 h 1514477"/>
+              <a:gd name="connsiteX31" fmla="*/ 0 w 7179469"/>
+              <a:gd name="connsiteY31" fmla="*/ 0 h 1514477"/>
+            </a:gdLst>
+            <a:ahLst/>
+            <a:cxnLst>
+              <a:cxn ang="0">
+                <a:pos x="connsiteX0" y="connsiteY0"/>
+              </a:cxn>
+              <a:cxn ang="0">
+                <a:pos x="connsiteX1" y="connsiteY1"/>
+              </a:cxn>
+              <a:cxn ang="0">
+                <a:pos x="connsiteX2" y="connsiteY2"/>
+              </a:cxn>
+              <a:cxn ang="0">
+                <a:pos x="connsiteX3" y="connsiteY3"/>
+              </a:cxn>
+              <a:cxn ang="0">
+                <a:pos x="connsiteX4" y="connsiteY4"/>
+              </a:cxn>
+              <a:cxn ang="0">
+                <a:pos x="connsiteX5" y="connsiteY5"/>
+              </a:cxn>
+              <a:cxn ang="0">
+                <a:pos x="connsiteX6" y="connsiteY6"/>
+              </a:cxn>
+              <a:cxn ang="0">
+                <a:pos x="connsiteX7" y="connsiteY7"/>
+              </a:cxn>
+              <a:cxn ang="0">
+                <a:pos x="connsiteX8" y="connsiteY8"/>
+              </a:cxn>
+              <a:cxn ang="0">
+                <a:pos x="connsiteX9" y="connsiteY9"/>
+              </a:cxn>
+              <a:cxn ang="0">
+                <a:pos x="connsiteX10" y="connsiteY10"/>
+              </a:cxn>
+              <a:cxn ang="0">
+                <a:pos x="connsiteX11" y="connsiteY11"/>
+              </a:cxn>
+              <a:cxn ang="0">
+                <a:pos x="connsiteX12" y="connsiteY12"/>
+              </a:cxn>
+              <a:cxn ang="0">
+                <a:pos x="connsiteX13" y="connsiteY13"/>
+              </a:cxn>
+              <a:cxn ang="0">
+                <a:pos x="connsiteX14" y="connsiteY14"/>
+              </a:cxn>
+              <a:cxn ang="0">
+                <a:pos x="connsiteX15" y="connsiteY15"/>
+              </a:cxn>
+              <a:cxn ang="0">
+                <a:pos x="connsiteX16" y="connsiteY16"/>
+              </a:cxn>
+              <a:cxn ang="0">
+                <a:pos x="connsiteX17" y="connsiteY17"/>
+              </a:cxn>
+              <a:cxn ang="0">
+                <a:pos x="connsiteX18" y="connsiteY18"/>
+              </a:cxn>
+              <a:cxn ang="0">
+                <a:pos x="connsiteX19" y="connsiteY19"/>
+              </a:cxn>
+              <a:cxn ang="0">
+                <a:pos x="connsiteX20" y="connsiteY20"/>
+              </a:cxn>
+              <a:cxn ang="0">
+                <a:pos x="connsiteX21" y="connsiteY21"/>
+              </a:cxn>
+              <a:cxn ang="0">
+                <a:pos x="connsiteX22" y="connsiteY22"/>
+              </a:cxn>
+              <a:cxn ang="0">
+                <a:pos x="connsiteX23" y="connsiteY23"/>
+              </a:cxn>
+              <a:cxn ang="0">
+                <a:pos x="connsiteX24" y="connsiteY24"/>
+              </a:cxn>
+              <a:cxn ang="0">
+                <a:pos x="connsiteX25" y="connsiteY25"/>
+              </a:cxn>
+              <a:cxn ang="0">
+                <a:pos x="connsiteX26" y="connsiteY26"/>
+              </a:cxn>
+              <a:cxn ang="0">
+                <a:pos x="connsiteX27" y="connsiteY27"/>
+              </a:cxn>
+              <a:cxn ang="0">
+                <a:pos x="connsiteX28" y="connsiteY28"/>
+              </a:cxn>
+              <a:cxn ang="0">
+                <a:pos x="connsiteX29" y="connsiteY29"/>
+              </a:cxn>
+              <a:cxn ang="0">
+                <a:pos x="connsiteX30" y="connsiteY30"/>
+              </a:cxn>
+              <a:cxn ang="0">
+                <a:pos x="connsiteX31" y="connsiteY31"/>
+              </a:cxn>
+            </a:cxnLst>
+            <a:rect l="l" t="t" r="r" b="b"/>
+            <a:pathLst>
+              <a:path w="7179469" h="1514477" extrusionOk="0">
+                <a:moveTo>
+                  <a:pt x="0" y="0"/>
+                </a:moveTo>
+                <a:cubicBezTo>
+                  <a:pt x="150578" y="-25450"/>
+                  <a:pt x="227834" y="4100"/>
+                  <a:pt x="382905" y="0"/>
+                </a:cubicBezTo>
+                <a:cubicBezTo>
+                  <a:pt x="537977" y="-4100"/>
+                  <a:pt x="942925" y="49536"/>
+                  <a:pt x="1124783" y="0"/>
+                </a:cubicBezTo>
+                <a:cubicBezTo>
+                  <a:pt x="1306641" y="-49536"/>
+                  <a:pt x="1449421" y="24386"/>
+                  <a:pt x="1723073" y="0"/>
+                </a:cubicBezTo>
+                <a:cubicBezTo>
+                  <a:pt x="1996725" y="-24386"/>
+                  <a:pt x="2253060" y="84348"/>
+                  <a:pt x="2464951" y="0"/>
+                </a:cubicBezTo>
+                <a:cubicBezTo>
+                  <a:pt x="2676842" y="-84348"/>
+                  <a:pt x="2771782" y="873"/>
+                  <a:pt x="3063240" y="0"/>
+                </a:cubicBezTo>
+                <a:cubicBezTo>
+                  <a:pt x="3354698" y="-873"/>
+                  <a:pt x="3350661" y="8733"/>
+                  <a:pt x="3446145" y="0"/>
+                </a:cubicBezTo>
+                <a:cubicBezTo>
+                  <a:pt x="3541630" y="-8733"/>
+                  <a:pt x="3967712" y="42113"/>
+                  <a:pt x="4116229" y="0"/>
+                </a:cubicBezTo>
+                <a:cubicBezTo>
+                  <a:pt x="4264746" y="-42113"/>
+                  <a:pt x="4668814" y="38598"/>
+                  <a:pt x="4858107" y="0"/>
+                </a:cubicBezTo>
+                <a:cubicBezTo>
+                  <a:pt x="5047400" y="-38598"/>
+                  <a:pt x="5241950" y="64508"/>
+                  <a:pt x="5528191" y="0"/>
+                </a:cubicBezTo>
+                <a:cubicBezTo>
+                  <a:pt x="5814432" y="-64508"/>
+                  <a:pt x="5774636" y="10759"/>
+                  <a:pt x="5911096" y="0"/>
+                </a:cubicBezTo>
+                <a:cubicBezTo>
+                  <a:pt x="6047556" y="-10759"/>
+                  <a:pt x="6294043" y="69843"/>
+                  <a:pt x="6581180" y="0"/>
+                </a:cubicBezTo>
+                <a:cubicBezTo>
+                  <a:pt x="6868317" y="-69843"/>
+                  <a:pt x="7057311" y="56954"/>
+                  <a:pt x="7179469" y="0"/>
+                </a:cubicBezTo>
+                <a:cubicBezTo>
+                  <a:pt x="7202450" y="231695"/>
+                  <a:pt x="7132219" y="381607"/>
+                  <a:pt x="7179469" y="535115"/>
+                </a:cubicBezTo>
+                <a:cubicBezTo>
+                  <a:pt x="7226719" y="688623"/>
+                  <a:pt x="7153188" y="868313"/>
+                  <a:pt x="7179469" y="1009651"/>
+                </a:cubicBezTo>
+                <a:cubicBezTo>
+                  <a:pt x="7205750" y="1150989"/>
+                  <a:pt x="7146247" y="1406843"/>
+                  <a:pt x="7179469" y="1514477"/>
+                </a:cubicBezTo>
+                <a:cubicBezTo>
+                  <a:pt x="7011300" y="1550632"/>
+                  <a:pt x="6917066" y="1487285"/>
+                  <a:pt x="6724769" y="1514477"/>
+                </a:cubicBezTo>
+                <a:cubicBezTo>
+                  <a:pt x="6532472" y="1541669"/>
+                  <a:pt x="6343829" y="1463046"/>
+                  <a:pt x="6054686" y="1514477"/>
+                </a:cubicBezTo>
+                <a:cubicBezTo>
+                  <a:pt x="5765543" y="1565908"/>
+                  <a:pt x="5661958" y="1492304"/>
+                  <a:pt x="5456396" y="1514477"/>
+                </a:cubicBezTo>
+                <a:cubicBezTo>
+                  <a:pt x="5250834" y="1536650"/>
+                  <a:pt x="4873403" y="1428049"/>
+                  <a:pt x="4714518" y="1514477"/>
+                </a:cubicBezTo>
+                <a:cubicBezTo>
+                  <a:pt x="4555633" y="1600905"/>
+                  <a:pt x="4365046" y="1480591"/>
+                  <a:pt x="4188024" y="1514477"/>
+                </a:cubicBezTo>
+                <a:cubicBezTo>
+                  <a:pt x="4011002" y="1548363"/>
+                  <a:pt x="3977820" y="1497919"/>
+                  <a:pt x="3805119" y="1514477"/>
+                </a:cubicBezTo>
+                <a:cubicBezTo>
+                  <a:pt x="3632419" y="1531035"/>
+                  <a:pt x="3497185" y="1451169"/>
+                  <a:pt x="3206829" y="1514477"/>
+                </a:cubicBezTo>
+                <a:cubicBezTo>
+                  <a:pt x="2916473" y="1577785"/>
+                  <a:pt x="2799926" y="1443407"/>
+                  <a:pt x="2608540" y="1514477"/>
+                </a:cubicBezTo>
+                <a:cubicBezTo>
+                  <a:pt x="2417154" y="1585547"/>
+                  <a:pt x="2199415" y="1461452"/>
+                  <a:pt x="1938457" y="1514477"/>
+                </a:cubicBezTo>
+                <a:cubicBezTo>
+                  <a:pt x="1677499" y="1567502"/>
+                  <a:pt x="1603899" y="1481923"/>
+                  <a:pt x="1483757" y="1514477"/>
+                </a:cubicBezTo>
+                <a:cubicBezTo>
+                  <a:pt x="1363615" y="1547031"/>
+                  <a:pt x="1235610" y="1477097"/>
+                  <a:pt x="1100852" y="1514477"/>
+                </a:cubicBezTo>
+                <a:cubicBezTo>
+                  <a:pt x="966095" y="1551857"/>
+                  <a:pt x="829161" y="1514141"/>
+                  <a:pt x="646152" y="1514477"/>
+                </a:cubicBezTo>
+                <a:cubicBezTo>
+                  <a:pt x="463143" y="1514813"/>
+                  <a:pt x="290720" y="1512305"/>
+                  <a:pt x="0" y="1514477"/>
+                </a:cubicBezTo>
+                <a:cubicBezTo>
+                  <a:pt x="-45812" y="1381033"/>
+                  <a:pt x="35839" y="1244918"/>
+                  <a:pt x="0" y="979362"/>
+                </a:cubicBezTo>
+                <a:cubicBezTo>
+                  <a:pt x="-35839" y="713806"/>
+                  <a:pt x="7071" y="616479"/>
+                  <a:pt x="0" y="504826"/>
+                </a:cubicBezTo>
+                <a:cubicBezTo>
+                  <a:pt x="-7071" y="393173"/>
+                  <a:pt x="54915" y="126406"/>
+                  <a:pt x="0" y="0"/>
+                </a:cubicBezTo>
+                <a:close/>
+              </a:path>
+            </a:pathLst>
+          </a:custGeom>
+          <a:noFill/>
+          <a:ln>
+            <a:solidFill>
+              <a:srgbClr val="00B050"/>
+            </a:solidFill>
+            <a:prstDash val="dash"/>
+            <a:extLst>
+              <a:ext uri="{C807C97D-BFC1-408E-A445-0C87EB9F89A2}">
+                <ask:lineSketchStyleProps xmlns:ask="http://schemas.microsoft.com/office/drawing/2018/sketchyshapes" sd="2141742679">
+                  <a:prstGeom prst="rect">
+                    <a:avLst/>
+                  </a:prstGeom>
+                  <ask:type>
+                    <ask:lineSketchScribble/>
+                  </ask:type>
+                </ask:lineSketchStyleProps>
+              </a:ext>
+            </a:extLst>
+          </a:ln>
+        </p:spPr>
+        <p:style>
+          <a:lnRef idx="2">
+            <a:schemeClr val="accent1">
+              <a:shade val="15000"/>
+            </a:schemeClr>
+          </a:lnRef>
+          <a:fillRef idx="1">
+            <a:schemeClr val="accent1"/>
+          </a:fillRef>
+          <a:effectRef idx="0">
+            <a:schemeClr val="accent1"/>
+          </a:effectRef>
+          <a:fontRef idx="minor">
+            <a:schemeClr val="lt1"/>
+          </a:fontRef>
+        </p:style>
+        <p:txBody>
+          <a:bodyPr rtlCol="0" anchor="ctr"/>
+          <a:lstStyle/>
+          <a:p>
+            <a:pPr marL="0" algn="ctr" defTabSz="457200" rtl="1" eaLnBrk="1" latinLnBrk="0" hangingPunct="1"/>
+            <a:endParaRPr lang="en-US"/>
+          </a:p>
+        </p:txBody>
+      </p:sp>
+      <p:sp>
+        <p:nvSpPr>
+          <p:cNvPr id="4" name="TextBox 3">
+            <a:extLst>
+              <a:ext uri="{FF2B5EF4-FFF2-40B4-BE49-F238E27FC236}">
+                <a16:creationId xmlns:a16="http://schemas.microsoft.com/office/drawing/2014/main" id="{4D10E796-453E-853A-837D-43A0080AB99F}"/>
+              </a:ext>
+            </a:extLst>
+          </p:cNvPr>
+          <p:cNvSpPr txBox="1"/>
+          <p:nvPr/>
+        </p:nvSpPr>
+        <p:spPr>
+          <a:xfrm>
+            <a:off x="9771117" y="1271588"/>
+            <a:ext cx="1321593" cy="369332"/>
+          </a:xfrm>
+          <a:prstGeom prst="rect">
+            <a:avLst/>
+          </a:prstGeom>
+          <a:noFill/>
+        </p:spPr>
+        <p:txBody>
+          <a:bodyPr wrap="square" rtlCol="0">
+            <a:spAutoFit/>
+          </a:bodyPr>
+          <a:lstStyle/>
+          <a:p>
+            <a:r>
+              <a:rPr lang="en-US" dirty="0">
+                <a:ln>
+                  <a:solidFill>
+                    <a:srgbClr val="00B050"/>
+                  </a:solidFill>
+                </a:ln>
+              </a:rPr>
+              <a:t>IBD = 2</a:t>
+            </a:r>
+          </a:p>
+        </p:txBody>
+      </p:sp>
+    </p:spTree>
+    <p:extLst>
+      <p:ext uri="{BB962C8B-B14F-4D97-AF65-F5344CB8AC3E}">
+        <p14:creationId xmlns:p14="http://schemas.microsoft.com/office/powerpoint/2010/main" val="2779582337"/>
+      </p:ext>
+    </p:extLst>
+  </p:cSld>
+  <p:clrMapOvr>
+    <a:masterClrMapping/>
+  </p:clrMapOvr>
+</p:sld>
+</file>
+
+<file path=ppt/slides/slide12.xml><?xml version="1.0" encoding="utf-8"?>
+<p:sld xmlns:a="http://schemas.openxmlformats.org/drawingml/2006/main" xmlns:r="http://schemas.openxmlformats.org/officeDocument/2006/relationships" xmlns:p="http://schemas.openxmlformats.org/presentationml/2006/main">
+  <p:cSld>
+    <p:bg>
+      <p:bgPr>
+        <a:solidFill>
+          <a:schemeClr val="bg1"/>
+        </a:solidFill>
+        <a:effectLst/>
+      </p:bgPr>
+    </p:bg>
+    <p:spTree>
+      <p:nvGrpSpPr>
+        <p:cNvPr id="1" name="">
+          <a:extLst>
+            <a:ext uri="{FF2B5EF4-FFF2-40B4-BE49-F238E27FC236}">
+              <a16:creationId xmlns:a16="http://schemas.microsoft.com/office/drawing/2014/main" id="{9197DCFB-9D16-1952-9179-74AEBF314A49}"/>
+            </a:ext>
+          </a:extLst>
+        </p:cNvPr>
+        <p:cNvGrpSpPr/>
+        <p:nvPr/>
+      </p:nvGrpSpPr>
+      <p:grpSpPr>
+        <a:xfrm>
+          <a:off x="0" y="0"/>
+          <a:ext cx="0" cy="0"/>
+          <a:chOff x="0" y="0"/>
+          <a:chExt cx="0" cy="0"/>
+        </a:xfrm>
+      </p:grpSpPr>
+      <p:sp useBgFill="1">
+        <p:nvSpPr>
+          <p:cNvPr id="12" name="Rectangle 11">
+            <a:extLst>
+              <a:ext uri="{FF2B5EF4-FFF2-40B4-BE49-F238E27FC236}">
+                <a16:creationId xmlns:a16="http://schemas.microsoft.com/office/drawing/2014/main" id="{665DBBEF-238B-476B-96AB-8AAC3224ECEA}"/>
+              </a:ext>
+              <a:ext uri="{C183D7F6-B498-43B3-948B-1728B52AA6E4}">
+                <adec:decorative xmlns:adec="http://schemas.microsoft.com/office/drawing/2017/decorative" val="1"/>
+              </a:ext>
+            </a:extLst>
+          </p:cNvPr>
+          <p:cNvSpPr>
+            <a:spLocks noGrp="1" noRot="1" noChangeAspect="1" noMove="1" noResize="1" noEditPoints="1" noAdjustHandles="1" noChangeArrowheads="1" noChangeShapeType="1" noTextEdit="1"/>
+          </p:cNvSpPr>
+          <p:nvPr>
+            <p:extLst>
+              <p:ext uri="{386F3935-93C4-4BCD-93E2-E3B085C9AB24}">
+                <p16:designElem xmlns:p16="http://schemas.microsoft.com/office/powerpoint/2015/main" val="1"/>
+              </p:ext>
+            </p:extLst>
+          </p:nvPr>
+        </p:nvSpPr>
+        <p:spPr>
+          <a:xfrm>
+            <a:off x="0" y="0"/>
+            <a:ext cx="12192000" cy="6858000"/>
+          </a:xfrm>
+          <a:prstGeom prst="rect">
+            <a:avLst/>
+          </a:prstGeom>
+          <a:ln>
+            <a:noFill/>
+          </a:ln>
+        </p:spPr>
+        <p:style>
+          <a:lnRef idx="2">
+            <a:schemeClr val="accent1">
+              <a:shade val="50000"/>
+            </a:schemeClr>
+          </a:lnRef>
+          <a:fillRef idx="1">
+            <a:schemeClr val="accent1"/>
+          </a:fillRef>
+          <a:effectRef idx="0">
+            <a:schemeClr val="accent1"/>
+          </a:effectRef>
+          <a:fontRef idx="minor">
+            <a:schemeClr val="lt1"/>
+          </a:fontRef>
+        </p:style>
+        <p:txBody>
+          <a:bodyPr rtlCol="0" anchor="ctr"/>
+          <a:lstStyle/>
+          <a:p>
+            <a:pPr algn="ctr"/>
+            <a:endParaRPr lang="en-US"/>
+          </a:p>
+        </p:txBody>
+      </p:sp>
+      <p:sp>
+        <p:nvSpPr>
+          <p:cNvPr id="2" name="Title 1">
+            <a:extLst>
+              <a:ext uri="{FF2B5EF4-FFF2-40B4-BE49-F238E27FC236}">
+                <a16:creationId xmlns:a16="http://schemas.microsoft.com/office/drawing/2014/main" id="{8C67F33E-C0B2-7198-444C-5B46E5EB3820}"/>
+              </a:ext>
+            </a:extLst>
+          </p:cNvPr>
+          <p:cNvSpPr>
+            <a:spLocks noGrp="1"/>
+          </p:cNvSpPr>
+          <p:nvPr>
+            <p:ph type="title"/>
+          </p:nvPr>
+        </p:nvSpPr>
+        <p:spPr>
+          <a:xfrm>
+            <a:off x="638882" y="639193"/>
+            <a:ext cx="3571810" cy="3573516"/>
+          </a:xfrm>
+        </p:spPr>
+        <p:txBody>
+          <a:bodyPr vert="horz" lIns="91440" tIns="45720" rIns="91440" bIns="45720" rtlCol="0" anchor="b">
+            <a:normAutofit/>
+          </a:bodyPr>
+          <a:lstStyle/>
+          <a:p>
+            <a:r>
+              <a:rPr lang="en-US" sz="4100" kern="1200" dirty="0">
+                <a:solidFill>
+                  <a:schemeClr val="tx1"/>
+                </a:solidFill>
+                <a:latin typeface="+mj-lt"/>
+                <a:ea typeface="+mj-ea"/>
+                <a:cs typeface="+mj-cs"/>
+              </a:rPr>
+              <a:t>Mean Imputed Genotype Correlation Conditional on IBD State</a:t>
+            </a:r>
+          </a:p>
+        </p:txBody>
+      </p:sp>
+      <p:sp>
+        <p:nvSpPr>
+          <p:cNvPr id="14" name="sketch line">
+            <a:extLst>
+              <a:ext uri="{FF2B5EF4-FFF2-40B4-BE49-F238E27FC236}">
+                <a16:creationId xmlns:a16="http://schemas.microsoft.com/office/drawing/2014/main" id="{3FCFB1DE-0B7E-48CC-BA90-B2AB0889F9D6}"/>
+              </a:ext>
+              <a:ext uri="{C183D7F6-B498-43B3-948B-1728B52AA6E4}">
+                <adec:decorative xmlns:adec="http://schemas.microsoft.com/office/drawing/2017/decorative" val="1"/>
+              </a:ext>
+            </a:extLst>
+          </p:cNvPr>
+          <p:cNvSpPr>
+            <a:spLocks noGrp="1" noRot="1" noChangeAspect="1" noMove="1" noResize="1" noEditPoints="1" noAdjustHandles="1" noChangeArrowheads="1" noChangeShapeType="1" noTextEdit="1"/>
+          </p:cNvSpPr>
+          <p:nvPr>
+            <p:extLst>
+              <p:ext uri="{386F3935-93C4-4BCD-93E2-E3B085C9AB24}">
+                <p16:designElem xmlns:p16="http://schemas.microsoft.com/office/powerpoint/2015/main" val="1"/>
+              </p:ext>
+            </p:extLst>
+          </p:nvPr>
+        </p:nvSpPr>
+        <p:spPr>
+          <a:xfrm>
+            <a:off x="643278" y="4409267"/>
+            <a:ext cx="3255095" cy="18288"/>
+          </a:xfrm>
+          <a:custGeom>
+            <a:avLst/>
+            <a:gdLst>
+              <a:gd name="connsiteX0" fmla="*/ 0 w 3255095"/>
+              <a:gd name="connsiteY0" fmla="*/ 0 h 18288"/>
+              <a:gd name="connsiteX1" fmla="*/ 618468 w 3255095"/>
+              <a:gd name="connsiteY1" fmla="*/ 0 h 18288"/>
+              <a:gd name="connsiteX2" fmla="*/ 1269487 w 3255095"/>
+              <a:gd name="connsiteY2" fmla="*/ 0 h 18288"/>
+              <a:gd name="connsiteX3" fmla="*/ 1953057 w 3255095"/>
+              <a:gd name="connsiteY3" fmla="*/ 0 h 18288"/>
+              <a:gd name="connsiteX4" fmla="*/ 2636627 w 3255095"/>
+              <a:gd name="connsiteY4" fmla="*/ 0 h 18288"/>
+              <a:gd name="connsiteX5" fmla="*/ 3255095 w 3255095"/>
+              <a:gd name="connsiteY5" fmla="*/ 0 h 18288"/>
+              <a:gd name="connsiteX6" fmla="*/ 3255095 w 3255095"/>
+              <a:gd name="connsiteY6" fmla="*/ 18288 h 18288"/>
+              <a:gd name="connsiteX7" fmla="*/ 2538974 w 3255095"/>
+              <a:gd name="connsiteY7" fmla="*/ 18288 h 18288"/>
+              <a:gd name="connsiteX8" fmla="*/ 1822853 w 3255095"/>
+              <a:gd name="connsiteY8" fmla="*/ 18288 h 18288"/>
+              <a:gd name="connsiteX9" fmla="*/ 1171834 w 3255095"/>
+              <a:gd name="connsiteY9" fmla="*/ 18288 h 18288"/>
+              <a:gd name="connsiteX10" fmla="*/ 0 w 3255095"/>
+              <a:gd name="connsiteY10" fmla="*/ 18288 h 18288"/>
+              <a:gd name="connsiteX11" fmla="*/ 0 w 3255095"/>
+              <a:gd name="connsiteY11" fmla="*/ 0 h 18288"/>
+            </a:gdLst>
+            <a:ahLst/>
+            <a:cxnLst>
+              <a:cxn ang="0">
+                <a:pos x="connsiteX0" y="connsiteY0"/>
+              </a:cxn>
+              <a:cxn ang="0">
+                <a:pos x="connsiteX1" y="connsiteY1"/>
+              </a:cxn>
+              <a:cxn ang="0">
+                <a:pos x="connsiteX2" y="connsiteY2"/>
+              </a:cxn>
+              <a:cxn ang="0">
+                <a:pos x="connsiteX3" y="connsiteY3"/>
+              </a:cxn>
+              <a:cxn ang="0">
+                <a:pos x="connsiteX4" y="connsiteY4"/>
+              </a:cxn>
+              <a:cxn ang="0">
+                <a:pos x="connsiteX5" y="connsiteY5"/>
+              </a:cxn>
+              <a:cxn ang="0">
+                <a:pos x="connsiteX6" y="connsiteY6"/>
+              </a:cxn>
+              <a:cxn ang="0">
+                <a:pos x="connsiteX7" y="connsiteY7"/>
+              </a:cxn>
+              <a:cxn ang="0">
+                <a:pos x="connsiteX8" y="connsiteY8"/>
+              </a:cxn>
+              <a:cxn ang="0">
+                <a:pos x="connsiteX9" y="connsiteY9"/>
+              </a:cxn>
+              <a:cxn ang="0">
+                <a:pos x="connsiteX10" y="connsiteY10"/>
+              </a:cxn>
+              <a:cxn ang="0">
+                <a:pos x="connsiteX11" y="connsiteY11"/>
+              </a:cxn>
+            </a:cxnLst>
+            <a:rect l="l" t="t" r="r" b="b"/>
+            <a:pathLst>
+              <a:path w="3255095" h="18288" fill="none" extrusionOk="0">
+                <a:moveTo>
+                  <a:pt x="0" y="0"/>
+                </a:moveTo>
+                <a:cubicBezTo>
+                  <a:pt x="240201" y="-22123"/>
+                  <a:pt x="462021" y="-19623"/>
+                  <a:pt x="618468" y="0"/>
+                </a:cubicBezTo>
+                <a:cubicBezTo>
+                  <a:pt x="774915" y="19623"/>
+                  <a:pt x="974734" y="2035"/>
+                  <a:pt x="1269487" y="0"/>
+                </a:cubicBezTo>
+                <a:cubicBezTo>
+                  <a:pt x="1564240" y="-2035"/>
+                  <a:pt x="1733579" y="10639"/>
+                  <a:pt x="1953057" y="0"/>
+                </a:cubicBezTo>
+                <a:cubicBezTo>
+                  <a:pt x="2172535" y="-10639"/>
+                  <a:pt x="2453962" y="14018"/>
+                  <a:pt x="2636627" y="0"/>
+                </a:cubicBezTo>
+                <a:cubicBezTo>
+                  <a:pt x="2819292" y="-14018"/>
+                  <a:pt x="3121375" y="5399"/>
+                  <a:pt x="3255095" y="0"/>
+                </a:cubicBezTo>
+                <a:cubicBezTo>
+                  <a:pt x="3254386" y="8157"/>
+                  <a:pt x="3254682" y="12125"/>
+                  <a:pt x="3255095" y="18288"/>
+                </a:cubicBezTo>
+                <a:cubicBezTo>
+                  <a:pt x="3088545" y="23203"/>
+                  <a:pt x="2687475" y="7419"/>
+                  <a:pt x="2538974" y="18288"/>
+                </a:cubicBezTo>
+                <a:cubicBezTo>
+                  <a:pt x="2390473" y="29157"/>
+                  <a:pt x="2137381" y="-8959"/>
+                  <a:pt x="1822853" y="18288"/>
+                </a:cubicBezTo>
+                <a:cubicBezTo>
+                  <a:pt x="1508325" y="45535"/>
+                  <a:pt x="1466437" y="20385"/>
+                  <a:pt x="1171834" y="18288"/>
+                </a:cubicBezTo>
+                <a:cubicBezTo>
+                  <a:pt x="877231" y="16191"/>
+                  <a:pt x="561097" y="37643"/>
+                  <a:pt x="0" y="18288"/>
+                </a:cubicBezTo>
+                <a:cubicBezTo>
+                  <a:pt x="-46" y="12483"/>
+                  <a:pt x="-203" y="6491"/>
+                  <a:pt x="0" y="0"/>
+                </a:cubicBezTo>
+                <a:close/>
+              </a:path>
+              <a:path w="3255095" h="18288" stroke="0" extrusionOk="0">
+                <a:moveTo>
+                  <a:pt x="0" y="0"/>
+                </a:moveTo>
+                <a:cubicBezTo>
+                  <a:pt x="291965" y="19429"/>
+                  <a:pt x="363155" y="8568"/>
+                  <a:pt x="618468" y="0"/>
+                </a:cubicBezTo>
+                <a:cubicBezTo>
+                  <a:pt x="873781" y="-8568"/>
+                  <a:pt x="904459" y="-19505"/>
+                  <a:pt x="1171834" y="0"/>
+                </a:cubicBezTo>
+                <a:cubicBezTo>
+                  <a:pt x="1439209" y="19505"/>
+                  <a:pt x="1744369" y="9790"/>
+                  <a:pt x="1887955" y="0"/>
+                </a:cubicBezTo>
+                <a:cubicBezTo>
+                  <a:pt x="2031541" y="-9790"/>
+                  <a:pt x="2346378" y="21240"/>
+                  <a:pt x="2506423" y="0"/>
+                </a:cubicBezTo>
+                <a:cubicBezTo>
+                  <a:pt x="2666468" y="-21240"/>
+                  <a:pt x="2990257" y="30414"/>
+                  <a:pt x="3255095" y="0"/>
+                </a:cubicBezTo>
+                <a:cubicBezTo>
+                  <a:pt x="3254831" y="4493"/>
+                  <a:pt x="3255479" y="9472"/>
+                  <a:pt x="3255095" y="18288"/>
+                </a:cubicBezTo>
+                <a:cubicBezTo>
+                  <a:pt x="3120743" y="16690"/>
+                  <a:pt x="2759628" y="42462"/>
+                  <a:pt x="2604076" y="18288"/>
+                </a:cubicBezTo>
+                <a:cubicBezTo>
+                  <a:pt x="2448524" y="-5886"/>
+                  <a:pt x="2184336" y="19599"/>
+                  <a:pt x="1887955" y="18288"/>
+                </a:cubicBezTo>
+                <a:cubicBezTo>
+                  <a:pt x="1591574" y="16977"/>
+                  <a:pt x="1548845" y="6870"/>
+                  <a:pt x="1334589" y="18288"/>
+                </a:cubicBezTo>
+                <a:cubicBezTo>
+                  <a:pt x="1120333" y="29706"/>
+                  <a:pt x="996014" y="9662"/>
+                  <a:pt x="683570" y="18288"/>
+                </a:cubicBezTo>
+                <a:cubicBezTo>
+                  <a:pt x="371126" y="26914"/>
+                  <a:pt x="198687" y="16167"/>
+                  <a:pt x="0" y="18288"/>
+                </a:cubicBezTo>
+                <a:cubicBezTo>
+                  <a:pt x="843" y="9577"/>
+                  <a:pt x="371" y="6900"/>
+                  <a:pt x="0" y="0"/>
+                </a:cubicBezTo>
+                <a:close/>
+              </a:path>
+            </a:pathLst>
+          </a:custGeom>
+          <a:solidFill>
+            <a:schemeClr val="accent2"/>
+          </a:solidFill>
+          <a:ln w="38100" cap="rnd">
+            <a:solidFill>
+              <a:schemeClr val="accent2"/>
+            </a:solidFill>
+            <a:round/>
+            <a:extLst>
+              <a:ext uri="{C807C97D-BFC1-408E-A445-0C87EB9F89A2}">
+                <ask:lineSketchStyleProps xmlns:ask="http://schemas.microsoft.com/office/drawing/2018/sketchyshapes" sd="1219033472">
+                  <a:prstGeom prst="rect">
+                    <a:avLst/>
+                  </a:prstGeom>
+                  <ask:type>
+                    <ask:lineSketchFreehand/>
+                  </ask:type>
+                </ask:lineSketchStyleProps>
+              </a:ext>
+            </a:extLst>
+          </a:ln>
+        </p:spPr>
+        <p:style>
+          <a:lnRef idx="2">
+            <a:schemeClr val="accent1">
+              <a:shade val="50000"/>
+            </a:schemeClr>
+          </a:lnRef>
+          <a:fillRef idx="1">
+            <a:schemeClr val="accent1"/>
+          </a:fillRef>
+          <a:effectRef idx="0">
+            <a:schemeClr val="accent1"/>
+          </a:effectRef>
+          <a:fontRef idx="minor">
+            <a:schemeClr val="lt1"/>
+          </a:fontRef>
+        </p:style>
+        <p:txBody>
+          <a:bodyPr rtlCol="0" anchor="ctr"/>
+          <a:lstStyle/>
+          <a:p>
+            <a:pPr algn="ctr"/>
+            <a:endParaRPr lang="en-US"/>
+          </a:p>
+        </p:txBody>
+      </p:sp>
+      <p:pic>
+        <p:nvPicPr>
+          <p:cNvPr id="7" name="Content Placeholder 6" descr="A graph of a number of patients with their health&#10;&#10;Description automatically generated with medium confidence">
+            <a:extLst>
+              <a:ext uri="{FF2B5EF4-FFF2-40B4-BE49-F238E27FC236}">
+                <a16:creationId xmlns:a16="http://schemas.microsoft.com/office/drawing/2014/main" id="{03C6BAC5-55DA-A3DD-A7A9-42900B0B3524}"/>
+              </a:ext>
+            </a:extLst>
+          </p:cNvPr>
+          <p:cNvPicPr>
+            <a:picLocks noGrp="1" noChangeAspect="1"/>
+          </p:cNvPicPr>
+          <p:nvPr>
+            <p:ph idx="1"/>
+          </p:nvPr>
+        </p:nvPicPr>
+        <p:blipFill>
+          <a:blip r:embed="rId2"/>
+          <a:stretch>
+            <a:fillRect/>
+          </a:stretch>
+        </p:blipFill>
+        <p:spPr>
+          <a:xfrm>
+            <a:off x="4075999" y="159598"/>
+            <a:ext cx="8116001" cy="6715994"/>
+          </a:xfrm>
+          <a:prstGeom prst="rect">
+            <a:avLst/>
+          </a:prstGeom>
+        </p:spPr>
+      </p:pic>
+      <p:sp>
+        <p:nvSpPr>
+          <p:cNvPr id="3" name="Rectangle 2">
+            <a:extLst>
+              <a:ext uri="{FF2B5EF4-FFF2-40B4-BE49-F238E27FC236}">
+                <a16:creationId xmlns:a16="http://schemas.microsoft.com/office/drawing/2014/main" id="{99E8393F-BBB2-8ABA-8219-3E650724D6A6}"/>
+              </a:ext>
+            </a:extLst>
+          </p:cNvPr>
+          <p:cNvSpPr/>
+          <p:nvPr/>
+        </p:nvSpPr>
+        <p:spPr>
+          <a:xfrm>
+            <a:off x="3898373" y="2796511"/>
+            <a:ext cx="7179469" cy="1514477"/>
+          </a:xfrm>
+          <a:custGeom>
+            <a:avLst/>
+            <a:gdLst>
+              <a:gd name="connsiteX0" fmla="*/ 0 w 7179469"/>
+              <a:gd name="connsiteY0" fmla="*/ 0 h 1514477"/>
+              <a:gd name="connsiteX1" fmla="*/ 382905 w 7179469"/>
+              <a:gd name="connsiteY1" fmla="*/ 0 h 1514477"/>
+              <a:gd name="connsiteX2" fmla="*/ 1124783 w 7179469"/>
+              <a:gd name="connsiteY2" fmla="*/ 0 h 1514477"/>
+              <a:gd name="connsiteX3" fmla="*/ 1723073 w 7179469"/>
+              <a:gd name="connsiteY3" fmla="*/ 0 h 1514477"/>
+              <a:gd name="connsiteX4" fmla="*/ 2464951 w 7179469"/>
+              <a:gd name="connsiteY4" fmla="*/ 0 h 1514477"/>
+              <a:gd name="connsiteX5" fmla="*/ 3063240 w 7179469"/>
+              <a:gd name="connsiteY5" fmla="*/ 0 h 1514477"/>
+              <a:gd name="connsiteX6" fmla="*/ 3446145 w 7179469"/>
+              <a:gd name="connsiteY6" fmla="*/ 0 h 1514477"/>
+              <a:gd name="connsiteX7" fmla="*/ 4116229 w 7179469"/>
+              <a:gd name="connsiteY7" fmla="*/ 0 h 1514477"/>
+              <a:gd name="connsiteX8" fmla="*/ 4858107 w 7179469"/>
+              <a:gd name="connsiteY8" fmla="*/ 0 h 1514477"/>
+              <a:gd name="connsiteX9" fmla="*/ 5528191 w 7179469"/>
+              <a:gd name="connsiteY9" fmla="*/ 0 h 1514477"/>
+              <a:gd name="connsiteX10" fmla="*/ 5911096 w 7179469"/>
+              <a:gd name="connsiteY10" fmla="*/ 0 h 1514477"/>
+              <a:gd name="connsiteX11" fmla="*/ 6581180 w 7179469"/>
+              <a:gd name="connsiteY11" fmla="*/ 0 h 1514477"/>
+              <a:gd name="connsiteX12" fmla="*/ 7179469 w 7179469"/>
+              <a:gd name="connsiteY12" fmla="*/ 0 h 1514477"/>
+              <a:gd name="connsiteX13" fmla="*/ 7179469 w 7179469"/>
+              <a:gd name="connsiteY13" fmla="*/ 535115 h 1514477"/>
+              <a:gd name="connsiteX14" fmla="*/ 7179469 w 7179469"/>
+              <a:gd name="connsiteY14" fmla="*/ 1009651 h 1514477"/>
+              <a:gd name="connsiteX15" fmla="*/ 7179469 w 7179469"/>
+              <a:gd name="connsiteY15" fmla="*/ 1514477 h 1514477"/>
+              <a:gd name="connsiteX16" fmla="*/ 6724769 w 7179469"/>
+              <a:gd name="connsiteY16" fmla="*/ 1514477 h 1514477"/>
+              <a:gd name="connsiteX17" fmla="*/ 6054686 w 7179469"/>
+              <a:gd name="connsiteY17" fmla="*/ 1514477 h 1514477"/>
+              <a:gd name="connsiteX18" fmla="*/ 5456396 w 7179469"/>
+              <a:gd name="connsiteY18" fmla="*/ 1514477 h 1514477"/>
+              <a:gd name="connsiteX19" fmla="*/ 4714518 w 7179469"/>
+              <a:gd name="connsiteY19" fmla="*/ 1514477 h 1514477"/>
+              <a:gd name="connsiteX20" fmla="*/ 4188024 w 7179469"/>
+              <a:gd name="connsiteY20" fmla="*/ 1514477 h 1514477"/>
+              <a:gd name="connsiteX21" fmla="*/ 3805119 w 7179469"/>
+              <a:gd name="connsiteY21" fmla="*/ 1514477 h 1514477"/>
+              <a:gd name="connsiteX22" fmla="*/ 3206829 w 7179469"/>
+              <a:gd name="connsiteY22" fmla="*/ 1514477 h 1514477"/>
+              <a:gd name="connsiteX23" fmla="*/ 2608540 w 7179469"/>
+              <a:gd name="connsiteY23" fmla="*/ 1514477 h 1514477"/>
+              <a:gd name="connsiteX24" fmla="*/ 1938457 w 7179469"/>
+              <a:gd name="connsiteY24" fmla="*/ 1514477 h 1514477"/>
+              <a:gd name="connsiteX25" fmla="*/ 1483757 w 7179469"/>
+              <a:gd name="connsiteY25" fmla="*/ 1514477 h 1514477"/>
+              <a:gd name="connsiteX26" fmla="*/ 1100852 w 7179469"/>
+              <a:gd name="connsiteY26" fmla="*/ 1514477 h 1514477"/>
+              <a:gd name="connsiteX27" fmla="*/ 646152 w 7179469"/>
+              <a:gd name="connsiteY27" fmla="*/ 1514477 h 1514477"/>
+              <a:gd name="connsiteX28" fmla="*/ 0 w 7179469"/>
+              <a:gd name="connsiteY28" fmla="*/ 1514477 h 1514477"/>
+              <a:gd name="connsiteX29" fmla="*/ 0 w 7179469"/>
+              <a:gd name="connsiteY29" fmla="*/ 979362 h 1514477"/>
+              <a:gd name="connsiteX30" fmla="*/ 0 w 7179469"/>
+              <a:gd name="connsiteY30" fmla="*/ 504826 h 1514477"/>
+              <a:gd name="connsiteX31" fmla="*/ 0 w 7179469"/>
+              <a:gd name="connsiteY31" fmla="*/ 0 h 1514477"/>
+            </a:gdLst>
+            <a:ahLst/>
+            <a:cxnLst>
+              <a:cxn ang="0">
+                <a:pos x="connsiteX0" y="connsiteY0"/>
+              </a:cxn>
+              <a:cxn ang="0">
+                <a:pos x="connsiteX1" y="connsiteY1"/>
+              </a:cxn>
+              <a:cxn ang="0">
+                <a:pos x="connsiteX2" y="connsiteY2"/>
+              </a:cxn>
+              <a:cxn ang="0">
+                <a:pos x="connsiteX3" y="connsiteY3"/>
+              </a:cxn>
+              <a:cxn ang="0">
+                <a:pos x="connsiteX4" y="connsiteY4"/>
+              </a:cxn>
+              <a:cxn ang="0">
+                <a:pos x="connsiteX5" y="connsiteY5"/>
+              </a:cxn>
+              <a:cxn ang="0">
+                <a:pos x="connsiteX6" y="connsiteY6"/>
+              </a:cxn>
+              <a:cxn ang="0">
+                <a:pos x="connsiteX7" y="connsiteY7"/>
+              </a:cxn>
+              <a:cxn ang="0">
+                <a:pos x="connsiteX8" y="connsiteY8"/>
+              </a:cxn>
+              <a:cxn ang="0">
+                <a:pos x="connsiteX9" y="connsiteY9"/>
+              </a:cxn>
+              <a:cxn ang="0">
+                <a:pos x="connsiteX10" y="connsiteY10"/>
+              </a:cxn>
+              <a:cxn ang="0">
+                <a:pos x="connsiteX11" y="connsiteY11"/>
+              </a:cxn>
+              <a:cxn ang="0">
+                <a:pos x="connsiteX12" y="connsiteY12"/>
+              </a:cxn>
+              <a:cxn ang="0">
+                <a:pos x="connsiteX13" y="connsiteY13"/>
+              </a:cxn>
+              <a:cxn ang="0">
+                <a:pos x="connsiteX14" y="connsiteY14"/>
+              </a:cxn>
+              <a:cxn ang="0">
+                <a:pos x="connsiteX15" y="connsiteY15"/>
+              </a:cxn>
+              <a:cxn ang="0">
+                <a:pos x="connsiteX16" y="connsiteY16"/>
+              </a:cxn>
+              <a:cxn ang="0">
+                <a:pos x="connsiteX17" y="connsiteY17"/>
+              </a:cxn>
+              <a:cxn ang="0">
+                <a:pos x="connsiteX18" y="connsiteY18"/>
+              </a:cxn>
+              <a:cxn ang="0">
+                <a:pos x="connsiteX19" y="connsiteY19"/>
+              </a:cxn>
+              <a:cxn ang="0">
+                <a:pos x="connsiteX20" y="connsiteY20"/>
+              </a:cxn>
+              <a:cxn ang="0">
+                <a:pos x="connsiteX21" y="connsiteY21"/>
+              </a:cxn>
+              <a:cxn ang="0">
+                <a:pos x="connsiteX22" y="connsiteY22"/>
+              </a:cxn>
+              <a:cxn ang="0">
+                <a:pos x="connsiteX23" y="connsiteY23"/>
+              </a:cxn>
+              <a:cxn ang="0">
+                <a:pos x="connsiteX24" y="connsiteY24"/>
+              </a:cxn>
+              <a:cxn ang="0">
+                <a:pos x="connsiteX25" y="connsiteY25"/>
+              </a:cxn>
+              <a:cxn ang="0">
+                <a:pos x="connsiteX26" y="connsiteY26"/>
+              </a:cxn>
+              <a:cxn ang="0">
+                <a:pos x="connsiteX27" y="connsiteY27"/>
+              </a:cxn>
+              <a:cxn ang="0">
+                <a:pos x="connsiteX28" y="connsiteY28"/>
+              </a:cxn>
+              <a:cxn ang="0">
+                <a:pos x="connsiteX29" y="connsiteY29"/>
+              </a:cxn>
+              <a:cxn ang="0">
+                <a:pos x="connsiteX30" y="connsiteY30"/>
+              </a:cxn>
+              <a:cxn ang="0">
+                <a:pos x="connsiteX31" y="connsiteY31"/>
+              </a:cxn>
+            </a:cxnLst>
+            <a:rect l="l" t="t" r="r" b="b"/>
+            <a:pathLst>
+              <a:path w="7179469" h="1514477" extrusionOk="0">
+                <a:moveTo>
+                  <a:pt x="0" y="0"/>
+                </a:moveTo>
+                <a:cubicBezTo>
+                  <a:pt x="150578" y="-25450"/>
+                  <a:pt x="227834" y="4100"/>
+                  <a:pt x="382905" y="0"/>
+                </a:cubicBezTo>
+                <a:cubicBezTo>
+                  <a:pt x="537977" y="-4100"/>
+                  <a:pt x="942925" y="49536"/>
+                  <a:pt x="1124783" y="0"/>
+                </a:cubicBezTo>
+                <a:cubicBezTo>
+                  <a:pt x="1306641" y="-49536"/>
+                  <a:pt x="1449421" y="24386"/>
+                  <a:pt x="1723073" y="0"/>
+                </a:cubicBezTo>
+                <a:cubicBezTo>
+                  <a:pt x="1996725" y="-24386"/>
+                  <a:pt x="2253060" y="84348"/>
+                  <a:pt x="2464951" y="0"/>
+                </a:cubicBezTo>
+                <a:cubicBezTo>
+                  <a:pt x="2676842" y="-84348"/>
+                  <a:pt x="2771782" y="873"/>
+                  <a:pt x="3063240" y="0"/>
+                </a:cubicBezTo>
+                <a:cubicBezTo>
+                  <a:pt x="3354698" y="-873"/>
+                  <a:pt x="3350661" y="8733"/>
+                  <a:pt x="3446145" y="0"/>
+                </a:cubicBezTo>
+                <a:cubicBezTo>
+                  <a:pt x="3541630" y="-8733"/>
+                  <a:pt x="3967712" y="42113"/>
+                  <a:pt x="4116229" y="0"/>
+                </a:cubicBezTo>
+                <a:cubicBezTo>
+                  <a:pt x="4264746" y="-42113"/>
+                  <a:pt x="4668814" y="38598"/>
+                  <a:pt x="4858107" y="0"/>
+                </a:cubicBezTo>
+                <a:cubicBezTo>
+                  <a:pt x="5047400" y="-38598"/>
+                  <a:pt x="5241950" y="64508"/>
+                  <a:pt x="5528191" y="0"/>
+                </a:cubicBezTo>
+                <a:cubicBezTo>
+                  <a:pt x="5814432" y="-64508"/>
+                  <a:pt x="5774636" y="10759"/>
+                  <a:pt x="5911096" y="0"/>
+                </a:cubicBezTo>
+                <a:cubicBezTo>
+                  <a:pt x="6047556" y="-10759"/>
+                  <a:pt x="6294043" y="69843"/>
+                  <a:pt x="6581180" y="0"/>
+                </a:cubicBezTo>
+                <a:cubicBezTo>
+                  <a:pt x="6868317" y="-69843"/>
+                  <a:pt x="7057311" y="56954"/>
+                  <a:pt x="7179469" y="0"/>
+                </a:cubicBezTo>
+                <a:cubicBezTo>
+                  <a:pt x="7202450" y="231695"/>
+                  <a:pt x="7132219" y="381607"/>
+                  <a:pt x="7179469" y="535115"/>
+                </a:cubicBezTo>
+                <a:cubicBezTo>
+                  <a:pt x="7226719" y="688623"/>
+                  <a:pt x="7153188" y="868313"/>
+                  <a:pt x="7179469" y="1009651"/>
+                </a:cubicBezTo>
+                <a:cubicBezTo>
+                  <a:pt x="7205750" y="1150989"/>
+                  <a:pt x="7146247" y="1406843"/>
+                  <a:pt x="7179469" y="1514477"/>
+                </a:cubicBezTo>
+                <a:cubicBezTo>
+                  <a:pt x="7011300" y="1550632"/>
+                  <a:pt x="6917066" y="1487285"/>
+                  <a:pt x="6724769" y="1514477"/>
+                </a:cubicBezTo>
+                <a:cubicBezTo>
+                  <a:pt x="6532472" y="1541669"/>
+                  <a:pt x="6343829" y="1463046"/>
+                  <a:pt x="6054686" y="1514477"/>
+                </a:cubicBezTo>
+                <a:cubicBezTo>
+                  <a:pt x="5765543" y="1565908"/>
+                  <a:pt x="5661958" y="1492304"/>
+                  <a:pt x="5456396" y="1514477"/>
+                </a:cubicBezTo>
+                <a:cubicBezTo>
+                  <a:pt x="5250834" y="1536650"/>
+                  <a:pt x="4873403" y="1428049"/>
+                  <a:pt x="4714518" y="1514477"/>
+                </a:cubicBezTo>
+                <a:cubicBezTo>
+                  <a:pt x="4555633" y="1600905"/>
+                  <a:pt x="4365046" y="1480591"/>
+                  <a:pt x="4188024" y="1514477"/>
+                </a:cubicBezTo>
+                <a:cubicBezTo>
+                  <a:pt x="4011002" y="1548363"/>
+                  <a:pt x="3977820" y="1497919"/>
+                  <a:pt x="3805119" y="1514477"/>
+                </a:cubicBezTo>
+                <a:cubicBezTo>
+                  <a:pt x="3632419" y="1531035"/>
+                  <a:pt x="3497185" y="1451169"/>
+                  <a:pt x="3206829" y="1514477"/>
+                </a:cubicBezTo>
+                <a:cubicBezTo>
+                  <a:pt x="2916473" y="1577785"/>
+                  <a:pt x="2799926" y="1443407"/>
+                  <a:pt x="2608540" y="1514477"/>
+                </a:cubicBezTo>
+                <a:cubicBezTo>
+                  <a:pt x="2417154" y="1585547"/>
+                  <a:pt x="2199415" y="1461452"/>
+                  <a:pt x="1938457" y="1514477"/>
+                </a:cubicBezTo>
+                <a:cubicBezTo>
+                  <a:pt x="1677499" y="1567502"/>
+                  <a:pt x="1603899" y="1481923"/>
+                  <a:pt x="1483757" y="1514477"/>
+                </a:cubicBezTo>
+                <a:cubicBezTo>
+                  <a:pt x="1363615" y="1547031"/>
+                  <a:pt x="1235610" y="1477097"/>
+                  <a:pt x="1100852" y="1514477"/>
+                </a:cubicBezTo>
+                <a:cubicBezTo>
+                  <a:pt x="966095" y="1551857"/>
+                  <a:pt x="829161" y="1514141"/>
+                  <a:pt x="646152" y="1514477"/>
+                </a:cubicBezTo>
+                <a:cubicBezTo>
+                  <a:pt x="463143" y="1514813"/>
+                  <a:pt x="290720" y="1512305"/>
+                  <a:pt x="0" y="1514477"/>
+                </a:cubicBezTo>
+                <a:cubicBezTo>
+                  <a:pt x="-45812" y="1381033"/>
+                  <a:pt x="35839" y="1244918"/>
+                  <a:pt x="0" y="979362"/>
+                </a:cubicBezTo>
+                <a:cubicBezTo>
+                  <a:pt x="-35839" y="713806"/>
+                  <a:pt x="7071" y="616479"/>
+                  <a:pt x="0" y="504826"/>
+                </a:cubicBezTo>
+                <a:cubicBezTo>
+                  <a:pt x="-7071" y="393173"/>
+                  <a:pt x="54915" y="126406"/>
+                  <a:pt x="0" y="0"/>
+                </a:cubicBezTo>
+                <a:close/>
+              </a:path>
+            </a:pathLst>
+          </a:custGeom>
+          <a:noFill/>
+          <a:ln>
+            <a:solidFill>
+              <a:srgbClr val="00B050"/>
+            </a:solidFill>
+            <a:prstDash val="dash"/>
+            <a:extLst>
+              <a:ext uri="{C807C97D-BFC1-408E-A445-0C87EB9F89A2}">
+                <ask:lineSketchStyleProps xmlns:ask="http://schemas.microsoft.com/office/drawing/2018/sketchyshapes" sd="2141742679">
+                  <a:prstGeom prst="rect">
+                    <a:avLst/>
+                  </a:prstGeom>
+                  <ask:type>
+                    <ask:lineSketchScribble/>
+                  </ask:type>
+                </ask:lineSketchStyleProps>
+              </a:ext>
+            </a:extLst>
+          </a:ln>
+        </p:spPr>
+        <p:style>
+          <a:lnRef idx="2">
+            <a:schemeClr val="accent1">
+              <a:shade val="15000"/>
+            </a:schemeClr>
+          </a:lnRef>
+          <a:fillRef idx="1">
+            <a:schemeClr val="accent1"/>
+          </a:fillRef>
+          <a:effectRef idx="0">
+            <a:schemeClr val="accent1"/>
+          </a:effectRef>
+          <a:fontRef idx="minor">
+            <a:schemeClr val="lt1"/>
+          </a:fontRef>
+        </p:style>
+        <p:txBody>
+          <a:bodyPr rtlCol="0" anchor="ctr"/>
+          <a:lstStyle/>
+          <a:p>
+            <a:pPr marL="0" algn="ctr" defTabSz="457200" rtl="1" eaLnBrk="1" latinLnBrk="0" hangingPunct="1"/>
+            <a:endParaRPr lang="en-US">
+              <a:ln>
+                <a:solidFill>
+                  <a:srgbClr val="00B050"/>
+                </a:solidFill>
+              </a:ln>
+            </a:endParaRPr>
+          </a:p>
+        </p:txBody>
+      </p:sp>
+      <p:sp>
+        <p:nvSpPr>
+          <p:cNvPr id="4" name="TextBox 3">
+            <a:extLst>
+              <a:ext uri="{FF2B5EF4-FFF2-40B4-BE49-F238E27FC236}">
+                <a16:creationId xmlns:a16="http://schemas.microsoft.com/office/drawing/2014/main" id="{700397E5-9E40-5407-FCC8-2E80F197278C}"/>
+              </a:ext>
+            </a:extLst>
+          </p:cNvPr>
+          <p:cNvSpPr txBox="1"/>
+          <p:nvPr/>
+        </p:nvSpPr>
+        <p:spPr>
+          <a:xfrm>
+            <a:off x="9756742" y="3843377"/>
+            <a:ext cx="1321593" cy="369332"/>
+          </a:xfrm>
+          <a:prstGeom prst="rect">
+            <a:avLst/>
+          </a:prstGeom>
+          <a:noFill/>
+        </p:spPr>
+        <p:txBody>
+          <a:bodyPr wrap="square" rtlCol="0">
+            <a:spAutoFit/>
+          </a:bodyPr>
+          <a:lstStyle/>
+          <a:p>
+            <a:r>
+              <a:rPr lang="en-US" dirty="0">
+                <a:ln>
+                  <a:solidFill>
+                    <a:srgbClr val="00B050"/>
+                  </a:solidFill>
+                </a:ln>
+              </a:rPr>
+              <a:t>IBD = 1</a:t>
+            </a:r>
+          </a:p>
+        </p:txBody>
+      </p:sp>
+    </p:spTree>
+    <p:extLst>
+      <p:ext uri="{BB962C8B-B14F-4D97-AF65-F5344CB8AC3E}">
+        <p14:creationId xmlns:p14="http://schemas.microsoft.com/office/powerpoint/2010/main" val="3868107489"/>
+      </p:ext>
+    </p:extLst>
+  </p:cSld>
+  <p:clrMapOvr>
+    <a:masterClrMapping/>
+  </p:clrMapOvr>
+</p:sld>
+</file>
+
+<file path=ppt/slides/slide13.xml><?xml version="1.0" encoding="utf-8"?>
+<p:sld xmlns:a="http://schemas.openxmlformats.org/drawingml/2006/main" xmlns:r="http://schemas.openxmlformats.org/officeDocument/2006/relationships" xmlns:p="http://schemas.openxmlformats.org/presentationml/2006/main">
+  <p:cSld>
+    <p:bg>
+      <p:bgPr>
+        <a:solidFill>
+          <a:schemeClr val="bg1"/>
+        </a:solidFill>
+        <a:effectLst/>
+      </p:bgPr>
+    </p:bg>
+    <p:spTree>
+      <p:nvGrpSpPr>
+        <p:cNvPr id="1" name="">
+          <a:extLst>
+            <a:ext uri="{FF2B5EF4-FFF2-40B4-BE49-F238E27FC236}">
+              <a16:creationId xmlns:a16="http://schemas.microsoft.com/office/drawing/2014/main" id="{E4AC4F5A-A7ED-C2B5-D730-6B6B098FDC7B}"/>
+            </a:ext>
+          </a:extLst>
+        </p:cNvPr>
+        <p:cNvGrpSpPr/>
+        <p:nvPr/>
+      </p:nvGrpSpPr>
+      <p:grpSpPr>
+        <a:xfrm>
+          <a:off x="0" y="0"/>
+          <a:ext cx="0" cy="0"/>
+          <a:chOff x="0" y="0"/>
+          <a:chExt cx="0" cy="0"/>
+        </a:xfrm>
+      </p:grpSpPr>
+      <p:sp useBgFill="1">
+        <p:nvSpPr>
+          <p:cNvPr id="12" name="Rectangle 11">
+            <a:extLst>
+              <a:ext uri="{FF2B5EF4-FFF2-40B4-BE49-F238E27FC236}">
+                <a16:creationId xmlns:a16="http://schemas.microsoft.com/office/drawing/2014/main" id="{665DBBEF-238B-476B-96AB-8AAC3224ECEA}"/>
+              </a:ext>
+              <a:ext uri="{C183D7F6-B498-43B3-948B-1728B52AA6E4}">
+                <adec:decorative xmlns:adec="http://schemas.microsoft.com/office/drawing/2017/decorative" val="1"/>
+              </a:ext>
+            </a:extLst>
+          </p:cNvPr>
+          <p:cNvSpPr>
+            <a:spLocks noGrp="1" noRot="1" noChangeAspect="1" noMove="1" noResize="1" noEditPoints="1" noAdjustHandles="1" noChangeArrowheads="1" noChangeShapeType="1" noTextEdit="1"/>
+          </p:cNvSpPr>
+          <p:nvPr>
+            <p:extLst>
+              <p:ext uri="{386F3935-93C4-4BCD-93E2-E3B085C9AB24}">
+                <p16:designElem xmlns:p16="http://schemas.microsoft.com/office/powerpoint/2015/main" val="1"/>
+              </p:ext>
+            </p:extLst>
+          </p:nvPr>
+        </p:nvSpPr>
+        <p:spPr>
+          <a:xfrm>
+            <a:off x="0" y="0"/>
+            <a:ext cx="12192000" cy="6858000"/>
+          </a:xfrm>
+          <a:prstGeom prst="rect">
+            <a:avLst/>
+          </a:prstGeom>
+          <a:ln>
+            <a:noFill/>
+          </a:ln>
+        </p:spPr>
+        <p:style>
+          <a:lnRef idx="2">
+            <a:schemeClr val="accent1">
+              <a:shade val="50000"/>
+            </a:schemeClr>
+          </a:lnRef>
+          <a:fillRef idx="1">
+            <a:schemeClr val="accent1"/>
+          </a:fillRef>
+          <a:effectRef idx="0">
+            <a:schemeClr val="accent1"/>
+          </a:effectRef>
+          <a:fontRef idx="minor">
+            <a:schemeClr val="lt1"/>
+          </a:fontRef>
+        </p:style>
+        <p:txBody>
+          <a:bodyPr rtlCol="0" anchor="ctr"/>
+          <a:lstStyle/>
+          <a:p>
+            <a:pPr algn="ctr"/>
+            <a:endParaRPr lang="en-US"/>
+          </a:p>
+        </p:txBody>
+      </p:sp>
+      <p:sp>
+        <p:nvSpPr>
+          <p:cNvPr id="2" name="Title 1">
+            <a:extLst>
+              <a:ext uri="{FF2B5EF4-FFF2-40B4-BE49-F238E27FC236}">
+                <a16:creationId xmlns:a16="http://schemas.microsoft.com/office/drawing/2014/main" id="{CC65D2B3-2F4E-4673-A055-E0A558ED89E7}"/>
+              </a:ext>
+            </a:extLst>
+          </p:cNvPr>
+          <p:cNvSpPr>
+            <a:spLocks noGrp="1"/>
+          </p:cNvSpPr>
+          <p:nvPr>
+            <p:ph type="title"/>
+          </p:nvPr>
+        </p:nvSpPr>
+        <p:spPr>
+          <a:xfrm>
+            <a:off x="638882" y="639193"/>
+            <a:ext cx="3571810" cy="3573516"/>
+          </a:xfrm>
+        </p:spPr>
+        <p:txBody>
+          <a:bodyPr vert="horz" lIns="91440" tIns="45720" rIns="91440" bIns="45720" rtlCol="0" anchor="b">
+            <a:normAutofit/>
+          </a:bodyPr>
+          <a:lstStyle/>
+          <a:p>
+            <a:r>
+              <a:rPr lang="en-US" sz="4100" kern="1200" dirty="0">
+                <a:solidFill>
+                  <a:schemeClr val="tx1"/>
+                </a:solidFill>
+                <a:latin typeface="+mj-lt"/>
+                <a:ea typeface="+mj-ea"/>
+                <a:cs typeface="+mj-cs"/>
+              </a:rPr>
+              <a:t>Mean Imputed Genotype Correlation Conditional on IBD State</a:t>
+            </a:r>
+          </a:p>
+        </p:txBody>
+      </p:sp>
+      <p:sp>
+        <p:nvSpPr>
+          <p:cNvPr id="14" name="sketch line">
+            <a:extLst>
+              <a:ext uri="{FF2B5EF4-FFF2-40B4-BE49-F238E27FC236}">
+                <a16:creationId xmlns:a16="http://schemas.microsoft.com/office/drawing/2014/main" id="{3FCFB1DE-0B7E-48CC-BA90-B2AB0889F9D6}"/>
+              </a:ext>
+              <a:ext uri="{C183D7F6-B498-43B3-948B-1728B52AA6E4}">
+                <adec:decorative xmlns:adec="http://schemas.microsoft.com/office/drawing/2017/decorative" val="1"/>
+              </a:ext>
+            </a:extLst>
+          </p:cNvPr>
+          <p:cNvSpPr>
+            <a:spLocks noGrp="1" noRot="1" noChangeAspect="1" noMove="1" noResize="1" noEditPoints="1" noAdjustHandles="1" noChangeArrowheads="1" noChangeShapeType="1" noTextEdit="1"/>
+          </p:cNvSpPr>
+          <p:nvPr>
+            <p:extLst>
+              <p:ext uri="{386F3935-93C4-4BCD-93E2-E3B085C9AB24}">
+                <p16:designElem xmlns:p16="http://schemas.microsoft.com/office/powerpoint/2015/main" val="1"/>
+              </p:ext>
+            </p:extLst>
+          </p:nvPr>
+        </p:nvSpPr>
+        <p:spPr>
+          <a:xfrm>
+            <a:off x="643278" y="4409267"/>
+            <a:ext cx="3255095" cy="18288"/>
+          </a:xfrm>
+          <a:custGeom>
+            <a:avLst/>
+            <a:gdLst>
+              <a:gd name="connsiteX0" fmla="*/ 0 w 3255095"/>
+              <a:gd name="connsiteY0" fmla="*/ 0 h 18288"/>
+              <a:gd name="connsiteX1" fmla="*/ 618468 w 3255095"/>
+              <a:gd name="connsiteY1" fmla="*/ 0 h 18288"/>
+              <a:gd name="connsiteX2" fmla="*/ 1269487 w 3255095"/>
+              <a:gd name="connsiteY2" fmla="*/ 0 h 18288"/>
+              <a:gd name="connsiteX3" fmla="*/ 1953057 w 3255095"/>
+              <a:gd name="connsiteY3" fmla="*/ 0 h 18288"/>
+              <a:gd name="connsiteX4" fmla="*/ 2636627 w 3255095"/>
+              <a:gd name="connsiteY4" fmla="*/ 0 h 18288"/>
+              <a:gd name="connsiteX5" fmla="*/ 3255095 w 3255095"/>
+              <a:gd name="connsiteY5" fmla="*/ 0 h 18288"/>
+              <a:gd name="connsiteX6" fmla="*/ 3255095 w 3255095"/>
+              <a:gd name="connsiteY6" fmla="*/ 18288 h 18288"/>
+              <a:gd name="connsiteX7" fmla="*/ 2538974 w 3255095"/>
+              <a:gd name="connsiteY7" fmla="*/ 18288 h 18288"/>
+              <a:gd name="connsiteX8" fmla="*/ 1822853 w 3255095"/>
+              <a:gd name="connsiteY8" fmla="*/ 18288 h 18288"/>
+              <a:gd name="connsiteX9" fmla="*/ 1171834 w 3255095"/>
+              <a:gd name="connsiteY9" fmla="*/ 18288 h 18288"/>
+              <a:gd name="connsiteX10" fmla="*/ 0 w 3255095"/>
+              <a:gd name="connsiteY10" fmla="*/ 18288 h 18288"/>
+              <a:gd name="connsiteX11" fmla="*/ 0 w 3255095"/>
+              <a:gd name="connsiteY11" fmla="*/ 0 h 18288"/>
+            </a:gdLst>
+            <a:ahLst/>
+            <a:cxnLst>
+              <a:cxn ang="0">
+                <a:pos x="connsiteX0" y="connsiteY0"/>
+              </a:cxn>
+              <a:cxn ang="0">
+                <a:pos x="connsiteX1" y="connsiteY1"/>
+              </a:cxn>
+              <a:cxn ang="0">
+                <a:pos x="connsiteX2" y="connsiteY2"/>
+              </a:cxn>
+              <a:cxn ang="0">
+                <a:pos x="connsiteX3" y="connsiteY3"/>
+              </a:cxn>
+              <a:cxn ang="0">
+                <a:pos x="connsiteX4" y="connsiteY4"/>
+              </a:cxn>
+              <a:cxn ang="0">
+                <a:pos x="connsiteX5" y="connsiteY5"/>
+              </a:cxn>
+              <a:cxn ang="0">
+                <a:pos x="connsiteX6" y="connsiteY6"/>
+              </a:cxn>
+              <a:cxn ang="0">
+                <a:pos x="connsiteX7" y="connsiteY7"/>
+              </a:cxn>
+              <a:cxn ang="0">
+                <a:pos x="connsiteX8" y="connsiteY8"/>
+              </a:cxn>
+              <a:cxn ang="0">
+                <a:pos x="connsiteX9" y="connsiteY9"/>
+              </a:cxn>
+              <a:cxn ang="0">
+                <a:pos x="connsiteX10" y="connsiteY10"/>
+              </a:cxn>
+              <a:cxn ang="0">
+                <a:pos x="connsiteX11" y="connsiteY11"/>
+              </a:cxn>
+            </a:cxnLst>
+            <a:rect l="l" t="t" r="r" b="b"/>
+            <a:pathLst>
+              <a:path w="3255095" h="18288" fill="none" extrusionOk="0">
+                <a:moveTo>
+                  <a:pt x="0" y="0"/>
+                </a:moveTo>
+                <a:cubicBezTo>
+                  <a:pt x="240201" y="-22123"/>
+                  <a:pt x="462021" y="-19623"/>
+                  <a:pt x="618468" y="0"/>
+                </a:cubicBezTo>
+                <a:cubicBezTo>
+                  <a:pt x="774915" y="19623"/>
+                  <a:pt x="974734" y="2035"/>
+                  <a:pt x="1269487" y="0"/>
+                </a:cubicBezTo>
+                <a:cubicBezTo>
+                  <a:pt x="1564240" y="-2035"/>
+                  <a:pt x="1733579" y="10639"/>
+                  <a:pt x="1953057" y="0"/>
+                </a:cubicBezTo>
+                <a:cubicBezTo>
+                  <a:pt x="2172535" y="-10639"/>
+                  <a:pt x="2453962" y="14018"/>
+                  <a:pt x="2636627" y="0"/>
+                </a:cubicBezTo>
+                <a:cubicBezTo>
+                  <a:pt x="2819292" y="-14018"/>
+                  <a:pt x="3121375" y="5399"/>
+                  <a:pt x="3255095" y="0"/>
+                </a:cubicBezTo>
+                <a:cubicBezTo>
+                  <a:pt x="3254386" y="8157"/>
+                  <a:pt x="3254682" y="12125"/>
+                  <a:pt x="3255095" y="18288"/>
+                </a:cubicBezTo>
+                <a:cubicBezTo>
+                  <a:pt x="3088545" y="23203"/>
+                  <a:pt x="2687475" y="7419"/>
+                  <a:pt x="2538974" y="18288"/>
+                </a:cubicBezTo>
+                <a:cubicBezTo>
+                  <a:pt x="2390473" y="29157"/>
+                  <a:pt x="2137381" y="-8959"/>
+                  <a:pt x="1822853" y="18288"/>
+                </a:cubicBezTo>
+                <a:cubicBezTo>
+                  <a:pt x="1508325" y="45535"/>
+                  <a:pt x="1466437" y="20385"/>
+                  <a:pt x="1171834" y="18288"/>
+                </a:cubicBezTo>
+                <a:cubicBezTo>
+                  <a:pt x="877231" y="16191"/>
+                  <a:pt x="561097" y="37643"/>
+                  <a:pt x="0" y="18288"/>
+                </a:cubicBezTo>
+                <a:cubicBezTo>
+                  <a:pt x="-46" y="12483"/>
+                  <a:pt x="-203" y="6491"/>
+                  <a:pt x="0" y="0"/>
+                </a:cubicBezTo>
+                <a:close/>
+              </a:path>
+              <a:path w="3255095" h="18288" stroke="0" extrusionOk="0">
+                <a:moveTo>
+                  <a:pt x="0" y="0"/>
+                </a:moveTo>
+                <a:cubicBezTo>
+                  <a:pt x="291965" y="19429"/>
+                  <a:pt x="363155" y="8568"/>
+                  <a:pt x="618468" y="0"/>
+                </a:cubicBezTo>
+                <a:cubicBezTo>
+                  <a:pt x="873781" y="-8568"/>
+                  <a:pt x="904459" y="-19505"/>
+                  <a:pt x="1171834" y="0"/>
+                </a:cubicBezTo>
+                <a:cubicBezTo>
+                  <a:pt x="1439209" y="19505"/>
+                  <a:pt x="1744369" y="9790"/>
+                  <a:pt x="1887955" y="0"/>
+                </a:cubicBezTo>
+                <a:cubicBezTo>
+                  <a:pt x="2031541" y="-9790"/>
+                  <a:pt x="2346378" y="21240"/>
+                  <a:pt x="2506423" y="0"/>
+                </a:cubicBezTo>
+                <a:cubicBezTo>
+                  <a:pt x="2666468" y="-21240"/>
+                  <a:pt x="2990257" y="30414"/>
+                  <a:pt x="3255095" y="0"/>
+                </a:cubicBezTo>
+                <a:cubicBezTo>
+                  <a:pt x="3254831" y="4493"/>
+                  <a:pt x="3255479" y="9472"/>
+                  <a:pt x="3255095" y="18288"/>
+                </a:cubicBezTo>
+                <a:cubicBezTo>
+                  <a:pt x="3120743" y="16690"/>
+                  <a:pt x="2759628" y="42462"/>
+                  <a:pt x="2604076" y="18288"/>
+                </a:cubicBezTo>
+                <a:cubicBezTo>
+                  <a:pt x="2448524" y="-5886"/>
+                  <a:pt x="2184336" y="19599"/>
+                  <a:pt x="1887955" y="18288"/>
+                </a:cubicBezTo>
+                <a:cubicBezTo>
+                  <a:pt x="1591574" y="16977"/>
+                  <a:pt x="1548845" y="6870"/>
+                  <a:pt x="1334589" y="18288"/>
+                </a:cubicBezTo>
+                <a:cubicBezTo>
+                  <a:pt x="1120333" y="29706"/>
+                  <a:pt x="996014" y="9662"/>
+                  <a:pt x="683570" y="18288"/>
+                </a:cubicBezTo>
+                <a:cubicBezTo>
+                  <a:pt x="371126" y="26914"/>
+                  <a:pt x="198687" y="16167"/>
+                  <a:pt x="0" y="18288"/>
+                </a:cubicBezTo>
+                <a:cubicBezTo>
+                  <a:pt x="843" y="9577"/>
+                  <a:pt x="371" y="6900"/>
+                  <a:pt x="0" y="0"/>
+                </a:cubicBezTo>
+                <a:close/>
+              </a:path>
+            </a:pathLst>
+          </a:custGeom>
+          <a:solidFill>
+            <a:schemeClr val="accent2"/>
+          </a:solidFill>
+          <a:ln w="38100" cap="rnd">
+            <a:solidFill>
+              <a:schemeClr val="accent2"/>
+            </a:solidFill>
+            <a:round/>
+            <a:extLst>
+              <a:ext uri="{C807C97D-BFC1-408E-A445-0C87EB9F89A2}">
+                <ask:lineSketchStyleProps xmlns:ask="http://schemas.microsoft.com/office/drawing/2018/sketchyshapes" sd="1219033472">
+                  <a:prstGeom prst="rect">
+                    <a:avLst/>
+                  </a:prstGeom>
+                  <ask:type>
+                    <ask:lineSketchFreehand/>
+                  </ask:type>
+                </ask:lineSketchStyleProps>
+              </a:ext>
+            </a:extLst>
+          </a:ln>
+        </p:spPr>
+        <p:style>
+          <a:lnRef idx="2">
+            <a:schemeClr val="accent1">
+              <a:shade val="50000"/>
+            </a:schemeClr>
+          </a:lnRef>
+          <a:fillRef idx="1">
+            <a:schemeClr val="accent1"/>
+          </a:fillRef>
+          <a:effectRef idx="0">
+            <a:schemeClr val="accent1"/>
+          </a:effectRef>
+          <a:fontRef idx="minor">
+            <a:schemeClr val="lt1"/>
+          </a:fontRef>
+        </p:style>
+        <p:txBody>
+          <a:bodyPr rtlCol="0" anchor="ctr"/>
+          <a:lstStyle/>
+          <a:p>
+            <a:pPr algn="ctr"/>
+            <a:endParaRPr lang="en-US"/>
+          </a:p>
+        </p:txBody>
+      </p:sp>
+      <p:pic>
+        <p:nvPicPr>
+          <p:cNvPr id="7" name="Content Placeholder 6" descr="A graph of a number of patients with their health&#10;&#10;Description automatically generated with medium confidence">
+            <a:extLst>
+              <a:ext uri="{FF2B5EF4-FFF2-40B4-BE49-F238E27FC236}">
+                <a16:creationId xmlns:a16="http://schemas.microsoft.com/office/drawing/2014/main" id="{71936F49-17BF-14F0-E4D8-0077901987DE}"/>
+              </a:ext>
+            </a:extLst>
+          </p:cNvPr>
+          <p:cNvPicPr>
+            <a:picLocks noGrp="1" noChangeAspect="1"/>
+          </p:cNvPicPr>
+          <p:nvPr>
+            <p:ph idx="1"/>
+          </p:nvPr>
+        </p:nvPicPr>
+        <p:blipFill>
+          <a:blip r:embed="rId2"/>
+          <a:stretch>
+            <a:fillRect/>
+          </a:stretch>
+        </p:blipFill>
+        <p:spPr>
+          <a:xfrm>
+            <a:off x="4075999" y="71003"/>
+            <a:ext cx="8116001" cy="6715994"/>
+          </a:xfrm>
+          <a:prstGeom prst="rect">
+            <a:avLst/>
+          </a:prstGeom>
+        </p:spPr>
+      </p:pic>
+      <p:sp>
+        <p:nvSpPr>
+          <p:cNvPr id="3" name="Rectangle 2">
+            <a:extLst>
+              <a:ext uri="{FF2B5EF4-FFF2-40B4-BE49-F238E27FC236}">
+                <a16:creationId xmlns:a16="http://schemas.microsoft.com/office/drawing/2014/main" id="{CC4328C1-2595-9F91-6AC4-D9AD81F740F7}"/>
+              </a:ext>
+            </a:extLst>
+          </p:cNvPr>
+          <p:cNvSpPr/>
+          <p:nvPr/>
+        </p:nvSpPr>
+        <p:spPr>
+          <a:xfrm>
+            <a:off x="3898373" y="5272520"/>
+            <a:ext cx="7179469" cy="1514477"/>
+          </a:xfrm>
+          <a:custGeom>
+            <a:avLst/>
+            <a:gdLst>
+              <a:gd name="connsiteX0" fmla="*/ 0 w 7179469"/>
+              <a:gd name="connsiteY0" fmla="*/ 0 h 1514477"/>
+              <a:gd name="connsiteX1" fmla="*/ 382905 w 7179469"/>
+              <a:gd name="connsiteY1" fmla="*/ 0 h 1514477"/>
+              <a:gd name="connsiteX2" fmla="*/ 1124783 w 7179469"/>
+              <a:gd name="connsiteY2" fmla="*/ 0 h 1514477"/>
+              <a:gd name="connsiteX3" fmla="*/ 1723073 w 7179469"/>
+              <a:gd name="connsiteY3" fmla="*/ 0 h 1514477"/>
+              <a:gd name="connsiteX4" fmla="*/ 2464951 w 7179469"/>
+              <a:gd name="connsiteY4" fmla="*/ 0 h 1514477"/>
+              <a:gd name="connsiteX5" fmla="*/ 3063240 w 7179469"/>
+              <a:gd name="connsiteY5" fmla="*/ 0 h 1514477"/>
+              <a:gd name="connsiteX6" fmla="*/ 3446145 w 7179469"/>
+              <a:gd name="connsiteY6" fmla="*/ 0 h 1514477"/>
+              <a:gd name="connsiteX7" fmla="*/ 4116229 w 7179469"/>
+              <a:gd name="connsiteY7" fmla="*/ 0 h 1514477"/>
+              <a:gd name="connsiteX8" fmla="*/ 4858107 w 7179469"/>
+              <a:gd name="connsiteY8" fmla="*/ 0 h 1514477"/>
+              <a:gd name="connsiteX9" fmla="*/ 5528191 w 7179469"/>
+              <a:gd name="connsiteY9" fmla="*/ 0 h 1514477"/>
+              <a:gd name="connsiteX10" fmla="*/ 5911096 w 7179469"/>
+              <a:gd name="connsiteY10" fmla="*/ 0 h 1514477"/>
+              <a:gd name="connsiteX11" fmla="*/ 6581180 w 7179469"/>
+              <a:gd name="connsiteY11" fmla="*/ 0 h 1514477"/>
+              <a:gd name="connsiteX12" fmla="*/ 7179469 w 7179469"/>
+              <a:gd name="connsiteY12" fmla="*/ 0 h 1514477"/>
+              <a:gd name="connsiteX13" fmla="*/ 7179469 w 7179469"/>
+              <a:gd name="connsiteY13" fmla="*/ 535115 h 1514477"/>
+              <a:gd name="connsiteX14" fmla="*/ 7179469 w 7179469"/>
+              <a:gd name="connsiteY14" fmla="*/ 1009651 h 1514477"/>
+              <a:gd name="connsiteX15" fmla="*/ 7179469 w 7179469"/>
+              <a:gd name="connsiteY15" fmla="*/ 1514477 h 1514477"/>
+              <a:gd name="connsiteX16" fmla="*/ 6724769 w 7179469"/>
+              <a:gd name="connsiteY16" fmla="*/ 1514477 h 1514477"/>
+              <a:gd name="connsiteX17" fmla="*/ 6054686 w 7179469"/>
+              <a:gd name="connsiteY17" fmla="*/ 1514477 h 1514477"/>
+              <a:gd name="connsiteX18" fmla="*/ 5456396 w 7179469"/>
+              <a:gd name="connsiteY18" fmla="*/ 1514477 h 1514477"/>
+              <a:gd name="connsiteX19" fmla="*/ 4714518 w 7179469"/>
+              <a:gd name="connsiteY19" fmla="*/ 1514477 h 1514477"/>
+              <a:gd name="connsiteX20" fmla="*/ 4188024 w 7179469"/>
+              <a:gd name="connsiteY20" fmla="*/ 1514477 h 1514477"/>
+              <a:gd name="connsiteX21" fmla="*/ 3805119 w 7179469"/>
+              <a:gd name="connsiteY21" fmla="*/ 1514477 h 1514477"/>
+              <a:gd name="connsiteX22" fmla="*/ 3206829 w 7179469"/>
+              <a:gd name="connsiteY22" fmla="*/ 1514477 h 1514477"/>
+              <a:gd name="connsiteX23" fmla="*/ 2608540 w 7179469"/>
+              <a:gd name="connsiteY23" fmla="*/ 1514477 h 1514477"/>
+              <a:gd name="connsiteX24" fmla="*/ 1938457 w 7179469"/>
+              <a:gd name="connsiteY24" fmla="*/ 1514477 h 1514477"/>
+              <a:gd name="connsiteX25" fmla="*/ 1483757 w 7179469"/>
+              <a:gd name="connsiteY25" fmla="*/ 1514477 h 1514477"/>
+              <a:gd name="connsiteX26" fmla="*/ 1100852 w 7179469"/>
+              <a:gd name="connsiteY26" fmla="*/ 1514477 h 1514477"/>
+              <a:gd name="connsiteX27" fmla="*/ 646152 w 7179469"/>
+              <a:gd name="connsiteY27" fmla="*/ 1514477 h 1514477"/>
+              <a:gd name="connsiteX28" fmla="*/ 0 w 7179469"/>
+              <a:gd name="connsiteY28" fmla="*/ 1514477 h 1514477"/>
+              <a:gd name="connsiteX29" fmla="*/ 0 w 7179469"/>
+              <a:gd name="connsiteY29" fmla="*/ 979362 h 1514477"/>
+              <a:gd name="connsiteX30" fmla="*/ 0 w 7179469"/>
+              <a:gd name="connsiteY30" fmla="*/ 504826 h 1514477"/>
+              <a:gd name="connsiteX31" fmla="*/ 0 w 7179469"/>
+              <a:gd name="connsiteY31" fmla="*/ 0 h 1514477"/>
+            </a:gdLst>
+            <a:ahLst/>
+            <a:cxnLst>
+              <a:cxn ang="0">
+                <a:pos x="connsiteX0" y="connsiteY0"/>
+              </a:cxn>
+              <a:cxn ang="0">
+                <a:pos x="connsiteX1" y="connsiteY1"/>
+              </a:cxn>
+              <a:cxn ang="0">
+                <a:pos x="connsiteX2" y="connsiteY2"/>
+              </a:cxn>
+              <a:cxn ang="0">
+                <a:pos x="connsiteX3" y="connsiteY3"/>
+              </a:cxn>
+              <a:cxn ang="0">
+                <a:pos x="connsiteX4" y="connsiteY4"/>
+              </a:cxn>
+              <a:cxn ang="0">
+                <a:pos x="connsiteX5" y="connsiteY5"/>
+              </a:cxn>
+              <a:cxn ang="0">
+                <a:pos x="connsiteX6" y="connsiteY6"/>
+              </a:cxn>
+              <a:cxn ang="0">
+                <a:pos x="connsiteX7" y="connsiteY7"/>
+              </a:cxn>
+              <a:cxn ang="0">
+                <a:pos x="connsiteX8" y="connsiteY8"/>
+              </a:cxn>
+              <a:cxn ang="0">
+                <a:pos x="connsiteX9" y="connsiteY9"/>
+              </a:cxn>
+              <a:cxn ang="0">
+                <a:pos x="connsiteX10" y="connsiteY10"/>
+              </a:cxn>
+              <a:cxn ang="0">
+                <a:pos x="connsiteX11" y="connsiteY11"/>
+              </a:cxn>
+              <a:cxn ang="0">
+                <a:pos x="connsiteX12" y="connsiteY12"/>
+              </a:cxn>
+              <a:cxn ang="0">
+                <a:pos x="connsiteX13" y="connsiteY13"/>
+              </a:cxn>
+              <a:cxn ang="0">
+                <a:pos x="connsiteX14" y="connsiteY14"/>
+              </a:cxn>
+              <a:cxn ang="0">
+                <a:pos x="connsiteX15" y="connsiteY15"/>
+              </a:cxn>
+              <a:cxn ang="0">
+                <a:pos x="connsiteX16" y="connsiteY16"/>
+              </a:cxn>
+              <a:cxn ang="0">
+                <a:pos x="connsiteX17" y="connsiteY17"/>
+              </a:cxn>
+              <a:cxn ang="0">
+                <a:pos x="connsiteX18" y="connsiteY18"/>
+              </a:cxn>
+              <a:cxn ang="0">
+                <a:pos x="connsiteX19" y="connsiteY19"/>
+              </a:cxn>
+              <a:cxn ang="0">
+                <a:pos x="connsiteX20" y="connsiteY20"/>
+              </a:cxn>
+              <a:cxn ang="0">
+                <a:pos x="connsiteX21" y="connsiteY21"/>
+              </a:cxn>
+              <a:cxn ang="0">
+                <a:pos x="connsiteX22" y="connsiteY22"/>
+              </a:cxn>
+              <a:cxn ang="0">
+                <a:pos x="connsiteX23" y="connsiteY23"/>
+              </a:cxn>
+              <a:cxn ang="0">
+                <a:pos x="connsiteX24" y="connsiteY24"/>
+              </a:cxn>
+              <a:cxn ang="0">
+                <a:pos x="connsiteX25" y="connsiteY25"/>
+              </a:cxn>
+              <a:cxn ang="0">
+                <a:pos x="connsiteX26" y="connsiteY26"/>
+              </a:cxn>
+              <a:cxn ang="0">
+                <a:pos x="connsiteX27" y="connsiteY27"/>
+              </a:cxn>
+              <a:cxn ang="0">
+                <a:pos x="connsiteX28" y="connsiteY28"/>
+              </a:cxn>
+              <a:cxn ang="0">
+                <a:pos x="connsiteX29" y="connsiteY29"/>
+              </a:cxn>
+              <a:cxn ang="0">
+                <a:pos x="connsiteX30" y="connsiteY30"/>
+              </a:cxn>
+              <a:cxn ang="0">
+                <a:pos x="connsiteX31" y="connsiteY31"/>
+              </a:cxn>
+            </a:cxnLst>
+            <a:rect l="l" t="t" r="r" b="b"/>
+            <a:pathLst>
+              <a:path w="7179469" h="1514477" extrusionOk="0">
+                <a:moveTo>
+                  <a:pt x="0" y="0"/>
+                </a:moveTo>
+                <a:cubicBezTo>
+                  <a:pt x="150578" y="-25450"/>
+                  <a:pt x="227834" y="4100"/>
+                  <a:pt x="382905" y="0"/>
+                </a:cubicBezTo>
+                <a:cubicBezTo>
+                  <a:pt x="537977" y="-4100"/>
+                  <a:pt x="942925" y="49536"/>
+                  <a:pt x="1124783" y="0"/>
+                </a:cubicBezTo>
+                <a:cubicBezTo>
+                  <a:pt x="1306641" y="-49536"/>
+                  <a:pt x="1449421" y="24386"/>
+                  <a:pt x="1723073" y="0"/>
+                </a:cubicBezTo>
+                <a:cubicBezTo>
+                  <a:pt x="1996725" y="-24386"/>
+                  <a:pt x="2253060" y="84348"/>
+                  <a:pt x="2464951" y="0"/>
+                </a:cubicBezTo>
+                <a:cubicBezTo>
+                  <a:pt x="2676842" y="-84348"/>
+                  <a:pt x="2771782" y="873"/>
+                  <a:pt x="3063240" y="0"/>
+                </a:cubicBezTo>
+                <a:cubicBezTo>
+                  <a:pt x="3354698" y="-873"/>
+                  <a:pt x="3350661" y="8733"/>
+                  <a:pt x="3446145" y="0"/>
+                </a:cubicBezTo>
+                <a:cubicBezTo>
+                  <a:pt x="3541630" y="-8733"/>
+                  <a:pt x="3967712" y="42113"/>
+                  <a:pt x="4116229" y="0"/>
+                </a:cubicBezTo>
+                <a:cubicBezTo>
+                  <a:pt x="4264746" y="-42113"/>
+                  <a:pt x="4668814" y="38598"/>
+                  <a:pt x="4858107" y="0"/>
+                </a:cubicBezTo>
+                <a:cubicBezTo>
+                  <a:pt x="5047400" y="-38598"/>
+                  <a:pt x="5241950" y="64508"/>
+                  <a:pt x="5528191" y="0"/>
+                </a:cubicBezTo>
+                <a:cubicBezTo>
+                  <a:pt x="5814432" y="-64508"/>
+                  <a:pt x="5774636" y="10759"/>
+                  <a:pt x="5911096" y="0"/>
+                </a:cubicBezTo>
+                <a:cubicBezTo>
+                  <a:pt x="6047556" y="-10759"/>
+                  <a:pt x="6294043" y="69843"/>
+                  <a:pt x="6581180" y="0"/>
+                </a:cubicBezTo>
+                <a:cubicBezTo>
+                  <a:pt x="6868317" y="-69843"/>
+                  <a:pt x="7057311" y="56954"/>
+                  <a:pt x="7179469" y="0"/>
+                </a:cubicBezTo>
+                <a:cubicBezTo>
+                  <a:pt x="7202450" y="231695"/>
+                  <a:pt x="7132219" y="381607"/>
+                  <a:pt x="7179469" y="535115"/>
+                </a:cubicBezTo>
+                <a:cubicBezTo>
+                  <a:pt x="7226719" y="688623"/>
+                  <a:pt x="7153188" y="868313"/>
+                  <a:pt x="7179469" y="1009651"/>
+                </a:cubicBezTo>
+                <a:cubicBezTo>
+                  <a:pt x="7205750" y="1150989"/>
+                  <a:pt x="7146247" y="1406843"/>
+                  <a:pt x="7179469" y="1514477"/>
+                </a:cubicBezTo>
+                <a:cubicBezTo>
+                  <a:pt x="7011300" y="1550632"/>
+                  <a:pt x="6917066" y="1487285"/>
+                  <a:pt x="6724769" y="1514477"/>
+                </a:cubicBezTo>
+                <a:cubicBezTo>
+                  <a:pt x="6532472" y="1541669"/>
+                  <a:pt x="6343829" y="1463046"/>
+                  <a:pt x="6054686" y="1514477"/>
+                </a:cubicBezTo>
+                <a:cubicBezTo>
+                  <a:pt x="5765543" y="1565908"/>
+                  <a:pt x="5661958" y="1492304"/>
+                  <a:pt x="5456396" y="1514477"/>
+                </a:cubicBezTo>
+                <a:cubicBezTo>
+                  <a:pt x="5250834" y="1536650"/>
+                  <a:pt x="4873403" y="1428049"/>
+                  <a:pt x="4714518" y="1514477"/>
+                </a:cubicBezTo>
+                <a:cubicBezTo>
+                  <a:pt x="4555633" y="1600905"/>
+                  <a:pt x="4365046" y="1480591"/>
+                  <a:pt x="4188024" y="1514477"/>
+                </a:cubicBezTo>
+                <a:cubicBezTo>
+                  <a:pt x="4011002" y="1548363"/>
+                  <a:pt x="3977820" y="1497919"/>
+                  <a:pt x="3805119" y="1514477"/>
+                </a:cubicBezTo>
+                <a:cubicBezTo>
+                  <a:pt x="3632419" y="1531035"/>
+                  <a:pt x="3497185" y="1451169"/>
+                  <a:pt x="3206829" y="1514477"/>
+                </a:cubicBezTo>
+                <a:cubicBezTo>
+                  <a:pt x="2916473" y="1577785"/>
+                  <a:pt x="2799926" y="1443407"/>
+                  <a:pt x="2608540" y="1514477"/>
+                </a:cubicBezTo>
+                <a:cubicBezTo>
+                  <a:pt x="2417154" y="1585547"/>
+                  <a:pt x="2199415" y="1461452"/>
+                  <a:pt x="1938457" y="1514477"/>
+                </a:cubicBezTo>
+                <a:cubicBezTo>
+                  <a:pt x="1677499" y="1567502"/>
+                  <a:pt x="1603899" y="1481923"/>
+                  <a:pt x="1483757" y="1514477"/>
+                </a:cubicBezTo>
+                <a:cubicBezTo>
+                  <a:pt x="1363615" y="1547031"/>
+                  <a:pt x="1235610" y="1477097"/>
+                  <a:pt x="1100852" y="1514477"/>
+                </a:cubicBezTo>
+                <a:cubicBezTo>
+                  <a:pt x="966095" y="1551857"/>
+                  <a:pt x="829161" y="1514141"/>
+                  <a:pt x="646152" y="1514477"/>
+                </a:cubicBezTo>
+                <a:cubicBezTo>
+                  <a:pt x="463143" y="1514813"/>
+                  <a:pt x="290720" y="1512305"/>
+                  <a:pt x="0" y="1514477"/>
+                </a:cubicBezTo>
+                <a:cubicBezTo>
+                  <a:pt x="-45812" y="1381033"/>
+                  <a:pt x="35839" y="1244918"/>
+                  <a:pt x="0" y="979362"/>
+                </a:cubicBezTo>
+                <a:cubicBezTo>
+                  <a:pt x="-35839" y="713806"/>
+                  <a:pt x="7071" y="616479"/>
+                  <a:pt x="0" y="504826"/>
+                </a:cubicBezTo>
+                <a:cubicBezTo>
+                  <a:pt x="-7071" y="393173"/>
+                  <a:pt x="54915" y="126406"/>
+                  <a:pt x="0" y="0"/>
+                </a:cubicBezTo>
+                <a:close/>
+              </a:path>
+            </a:pathLst>
+          </a:custGeom>
+          <a:noFill/>
+          <a:ln>
+            <a:solidFill>
+              <a:srgbClr val="00B050"/>
+            </a:solidFill>
+            <a:prstDash val="dash"/>
+            <a:extLst>
+              <a:ext uri="{C807C97D-BFC1-408E-A445-0C87EB9F89A2}">
+                <ask:lineSketchStyleProps xmlns:ask="http://schemas.microsoft.com/office/drawing/2018/sketchyshapes" sd="2141742679">
+                  <a:prstGeom prst="rect">
+                    <a:avLst/>
+                  </a:prstGeom>
+                  <ask:type>
+                    <ask:lineSketchScribble/>
+                  </ask:type>
+                </ask:lineSketchStyleProps>
+              </a:ext>
+            </a:extLst>
+          </a:ln>
+        </p:spPr>
+        <p:style>
+          <a:lnRef idx="2">
+            <a:schemeClr val="accent1">
+              <a:shade val="15000"/>
+            </a:schemeClr>
+          </a:lnRef>
+          <a:fillRef idx="1">
+            <a:schemeClr val="accent1"/>
+          </a:fillRef>
+          <a:effectRef idx="0">
+            <a:schemeClr val="accent1"/>
+          </a:effectRef>
+          <a:fontRef idx="minor">
+            <a:schemeClr val="lt1"/>
+          </a:fontRef>
+        </p:style>
+        <p:txBody>
+          <a:bodyPr rtlCol="0" anchor="ctr"/>
+          <a:lstStyle/>
+          <a:p>
+            <a:pPr marL="0" algn="ctr" defTabSz="457200" rtl="1" eaLnBrk="1" latinLnBrk="0" hangingPunct="1"/>
+            <a:endParaRPr lang="en-US"/>
+          </a:p>
+        </p:txBody>
+      </p:sp>
+      <p:sp>
+        <p:nvSpPr>
+          <p:cNvPr id="4" name="TextBox 3">
+            <a:extLst>
+              <a:ext uri="{FF2B5EF4-FFF2-40B4-BE49-F238E27FC236}">
+                <a16:creationId xmlns:a16="http://schemas.microsoft.com/office/drawing/2014/main" id="{5C888DB3-B950-A051-5AD7-AC4C65996567}"/>
+              </a:ext>
+            </a:extLst>
+          </p:cNvPr>
+          <p:cNvSpPr txBox="1"/>
+          <p:nvPr/>
+        </p:nvSpPr>
+        <p:spPr>
+          <a:xfrm>
+            <a:off x="9771117" y="5335664"/>
+            <a:ext cx="1321593" cy="369332"/>
+          </a:xfrm>
+          <a:prstGeom prst="rect">
+            <a:avLst/>
+          </a:prstGeom>
+          <a:noFill/>
+        </p:spPr>
+        <p:txBody>
+          <a:bodyPr wrap="square" rtlCol="0">
+            <a:spAutoFit/>
+          </a:bodyPr>
+          <a:lstStyle/>
+          <a:p>
+            <a:r>
+              <a:rPr lang="en-US" dirty="0">
+                <a:ln>
+                  <a:solidFill>
+                    <a:srgbClr val="00B050"/>
+                  </a:solidFill>
+                </a:ln>
+              </a:rPr>
+              <a:t>IBD = 0</a:t>
+            </a:r>
+          </a:p>
+        </p:txBody>
+      </p:sp>
+    </p:spTree>
+    <p:extLst>
+      <p:ext uri="{BB962C8B-B14F-4D97-AF65-F5344CB8AC3E}">
+        <p14:creationId xmlns:p14="http://schemas.microsoft.com/office/powerpoint/2010/main" val="4003835812"/>
+      </p:ext>
+    </p:extLst>
+  </p:cSld>
+  <p:clrMapOvr>
+    <a:masterClrMapping/>
+  </p:clrMapOvr>
+</p:sld>
+</file>
+
+<file path=ppt/slides/slide14.xml><?xml version="1.0" encoding="utf-8"?>
 <p:sld xmlns:a="http://schemas.openxmlformats.org/drawingml/2006/main" xmlns:r="http://schemas.openxmlformats.org/officeDocument/2006/relationships" xmlns:p="http://schemas.openxmlformats.org/presentationml/2006/main">
   <p:cSld>
     <p:bg>
@@ -14032,7 +16744,7 @@
                 <a:latin typeface="Calibri Light" panose="020F0302020204030204" pitchFamily="34" charset="0"/>
                 <a:cs typeface="Calibri Light" panose="020F0302020204030204" pitchFamily="34" charset="0"/>
               </a:rPr>
-              <a:t>This is worse for Hard Calls (Best Guess) genotypes than for dosages, and also it is worse for parent-offspring compared to full siblings pairs.</a:t>
+              <a:t>This is worse for Hard Calls (Best Guesses) genotypes than for dosages, and it is worse for parent-offspring compared to full siblings.</a:t>
             </a:r>
           </a:p>
           <a:p>
@@ -14041,7 +16753,7 @@
                 <a:latin typeface="Calibri Light" panose="020F0302020204030204" pitchFamily="34" charset="0"/>
                 <a:cs typeface="Calibri Light" panose="020F0302020204030204" pitchFamily="34" charset="0"/>
               </a:rPr>
-              <a:t>We are working on the WGS data to see what is the the downstream effect of using low-quality imputed genotypes in Family-Based analysis.</a:t>
+              <a:t>We are working on the WGS data to see what is the the downstream effect of using low-quality imputed genotypes in Family-Based analyses.</a:t>
             </a:r>
           </a:p>
           <a:p>
@@ -14068,7 +16780,7 @@
 </p:sld>
 </file>
 
-<file path=ppt/slides/slide12.xml><?xml version="1.0" encoding="utf-8"?>
+<file path=ppt/slides/slide15.xml><?xml version="1.0" encoding="utf-8"?>
 <p:sld xmlns:a="http://schemas.openxmlformats.org/drawingml/2006/main" xmlns:r="http://schemas.openxmlformats.org/officeDocument/2006/relationships" xmlns:p="http://schemas.openxmlformats.org/presentationml/2006/main">
   <p:cSld>
     <p:bg>
@@ -15027,6 +17739,9 @@
                     <p:cTn id="3" fill="hold">
                       <p:stCondLst>
                         <p:cond delay="indefinite"/>
+                        <p:cond evt="onBegin" delay="0">
+                          <p:tn val="2"/>
+                        </p:cond>
                       </p:stCondLst>
                       <p:childTnLst>
                         <p:par>
@@ -15036,7 +17751,7 @@
                             </p:stCondLst>
                             <p:childTnLst>
                               <p:par>
-                                <p:cTn id="5" presetID="41" presetClass="entr" presetSubtype="0" fill="hold" grpId="0" nodeType="clickEffect">
+                                <p:cTn id="5" presetID="41" presetClass="entr" presetSubtype="0" fill="hold" grpId="0" nodeType="afterEffect">
                                   <p:stCondLst>
                                     <p:cond delay="0"/>
                                   </p:stCondLst>
@@ -19938,6 +22653,27 @@
             <a:pPr lvl="1"/>
             <a:r>
               <a:rPr lang="en-US" sz="2000" dirty="0"/>
+              <a:t>SNPs with MAF &gt; 1%</a:t>
+            </a:r>
+          </a:p>
+          <a:p>
+            <a:pPr lvl="1"/>
+            <a:r>
+              <a:rPr lang="en-US" sz="2000" dirty="0"/>
+              <a:t>Info Score &gt; 30%</a:t>
+            </a:r>
+          </a:p>
+          <a:p>
+            <a:pPr lvl="1"/>
+            <a:r>
+              <a:rPr lang="en-US" sz="2000" dirty="0"/>
+              <a:t>70K SNPs</a:t>
+            </a:r>
+          </a:p>
+          <a:p>
+            <a:pPr lvl="1"/>
+            <a:r>
+              <a:rPr lang="en-US" sz="2000" dirty="0"/>
               <a:t>White British Subsample</a:t>
             </a:r>
           </a:p>
@@ -19953,20 +22689,6 @@
             <a:r>
               <a:rPr lang="en-US" sz="2000" dirty="0"/>
               <a:t>4K Parent-Offspring Pairs</a:t>
-            </a:r>
-          </a:p>
-          <a:p>
-            <a:pPr lvl="1"/>
-            <a:r>
-              <a:rPr lang="en-US" sz="2000" dirty="0"/>
-              <a:t>SNPs with MAF &gt; 1%</a:t>
-            </a:r>
-          </a:p>
-          <a:p>
-            <a:pPr lvl="1"/>
-            <a:r>
-              <a:rPr lang="en-US" sz="2000" dirty="0"/>
-              <a:t>Info Score &gt; 30%</a:t>
             </a:r>
           </a:p>
           <a:p>
@@ -19992,7 +22714,7 @@
               <a:rPr lang="en-US" sz="2000" dirty="0">
                 <a:latin typeface="CMSS10"/>
               </a:rPr>
-              <a:t>Sib-GWAS used low-quality imputed SNPs. </a:t>
+              <a:t>Sib-GWAS used low-quality imputed SNPs (Info Score &gt; 30%). </a:t>
             </a:r>
             <a:endParaRPr lang="en-US" sz="2000" dirty="0"/>
           </a:p>
@@ -20565,7 +23287,7 @@
         </p:nvSpPr>
         <p:spPr>
           <a:xfrm>
-            <a:off x="638882" y="639193"/>
+            <a:off x="643278" y="1525018"/>
             <a:ext cx="3571810" cy="3573516"/>
           </a:xfrm>
         </p:spPr>
@@ -20576,7 +23298,7 @@
           <a:lstStyle/>
           <a:p>
             <a:r>
-              <a:rPr lang="en-US" sz="5600" kern="1200">
+              <a:rPr lang="en-US" sz="5600" kern="1200" dirty="0">
                 <a:solidFill>
                   <a:schemeClr val="tx1"/>
                 </a:solidFill>
@@ -20587,7 +23309,7 @@
               <a:t>Mean</a:t>
             </a:r>
             <a:br>
-              <a:rPr lang="en-US" sz="5600" kern="1200">
+              <a:rPr lang="en-US" sz="5600" kern="1200" dirty="0">
                 <a:solidFill>
                   <a:schemeClr val="tx1"/>
                 </a:solidFill>
@@ -20597,7 +23319,7 @@
               </a:rPr>
             </a:br>
             <a:r>
-              <a:rPr lang="en-US" sz="5600" kern="1200">
+              <a:rPr lang="en-US" sz="5600" kern="1200" dirty="0">
                 <a:solidFill>
                   <a:schemeClr val="tx1"/>
                 </a:solidFill>
@@ -20608,7 +23330,7 @@
               <a:t>Genotype Correlation</a:t>
             </a:r>
             <a:br>
-              <a:rPr lang="en-US" sz="5600" kern="1200">
+              <a:rPr lang="en-US" sz="5600" kern="1200" dirty="0">
                 <a:solidFill>
                   <a:schemeClr val="tx1"/>
                 </a:solidFill>
@@ -20617,17 +23339,14 @@
                 <a:cs typeface="+mj-cs"/>
               </a:rPr>
             </a:br>
-            <a:r>
-              <a:rPr lang="en-US" sz="5600" kern="1200">
-                <a:solidFill>
-                  <a:schemeClr val="tx1"/>
-                </a:solidFill>
-                <a:latin typeface="+mj-lt"/>
-                <a:ea typeface="+mj-ea"/>
-                <a:cs typeface="+mj-cs"/>
-              </a:rPr>
-              <a:t>(Info Score)</a:t>
-            </a:r>
+            <a:endParaRPr lang="en-US" sz="5600" kern="1200" dirty="0">
+              <a:solidFill>
+                <a:schemeClr val="tx1"/>
+              </a:solidFill>
+              <a:latin typeface="+mj-lt"/>
+              <a:ea typeface="+mj-ea"/>
+              <a:cs typeface="+mj-cs"/>
+            </a:endParaRPr>
           </a:p>
         </p:txBody>
       </p:sp>
@@ -20906,10 +23625,10 @@
       </p:sp>
       <p:pic>
         <p:nvPicPr>
-          <p:cNvPr id="10" name="Content Placeholder 9" descr="A graph of different colored lines&#10;&#10;Description automatically generated">
+          <p:cNvPr id="27" name="Content Placeholder 26" descr="A graph of different colored lines&#10;&#10;Description automatically generated">
             <a:extLst>
               <a:ext uri="{FF2B5EF4-FFF2-40B4-BE49-F238E27FC236}">
-                <a16:creationId xmlns:a16="http://schemas.microsoft.com/office/drawing/2014/main" id="{6F3D9C99-3862-0B42-318E-A051D7EC0231}"/>
+                <a16:creationId xmlns:a16="http://schemas.microsoft.com/office/drawing/2014/main" id="{BB22B7D2-FC88-7D76-661C-84DD4FFE86F5}"/>
               </a:ext>
             </a:extLst>
           </p:cNvPr>
@@ -20928,12 +23647,9 @@
         </p:blipFill>
         <p:spPr>
           <a:xfrm>
-            <a:off x="4814147" y="640080"/>
-            <a:ext cx="6894914" cy="5550408"/>
+            <a:off x="4347290" y="243603"/>
+            <a:ext cx="7712507" cy="6370794"/>
           </a:xfrm>
-          <a:prstGeom prst="rect">
-            <a:avLst/>
-          </a:prstGeom>
         </p:spPr>
       </p:pic>
     </p:spTree>
